--- a/reference_content/Slides/boosting.pptx
+++ b/reference_content/Slides/boosting.pptx
@@ -7,32 +7,39 @@
   <p:sldIdLst>
     <p:sldId id="280" r:id="rId2"/>
     <p:sldId id="256" r:id="rId3"/>
-    <p:sldId id="257" r:id="rId4"/>
-    <p:sldId id="267" r:id="rId5"/>
-    <p:sldId id="258" r:id="rId6"/>
-    <p:sldId id="268" r:id="rId7"/>
-    <p:sldId id="270" r:id="rId8"/>
-    <p:sldId id="259" r:id="rId9"/>
-    <p:sldId id="261" r:id="rId10"/>
-    <p:sldId id="260" r:id="rId11"/>
-    <p:sldId id="269" r:id="rId12"/>
-    <p:sldId id="274" r:id="rId13"/>
-    <p:sldId id="281" r:id="rId14"/>
-    <p:sldId id="262" r:id="rId15"/>
-    <p:sldId id="275" r:id="rId16"/>
-    <p:sldId id="276" r:id="rId17"/>
-    <p:sldId id="277" r:id="rId18"/>
-    <p:sldId id="278" r:id="rId19"/>
-    <p:sldId id="279" r:id="rId20"/>
-    <p:sldId id="266" r:id="rId21"/>
-    <p:sldId id="271" r:id="rId22"/>
-    <p:sldId id="273" r:id="rId23"/>
-    <p:sldId id="263" r:id="rId24"/>
-    <p:sldId id="282" r:id="rId25"/>
-    <p:sldId id="283" r:id="rId26"/>
-    <p:sldId id="265" r:id="rId27"/>
-    <p:sldId id="272" r:id="rId28"/>
-    <p:sldId id="264" r:id="rId29"/>
+    <p:sldId id="284" r:id="rId4"/>
+    <p:sldId id="285" r:id="rId5"/>
+    <p:sldId id="257" r:id="rId6"/>
+    <p:sldId id="267" r:id="rId7"/>
+    <p:sldId id="258" r:id="rId8"/>
+    <p:sldId id="286" r:id="rId9"/>
+    <p:sldId id="268" r:id="rId10"/>
+    <p:sldId id="270" r:id="rId11"/>
+    <p:sldId id="259" r:id="rId12"/>
+    <p:sldId id="261" r:id="rId13"/>
+    <p:sldId id="287" r:id="rId14"/>
+    <p:sldId id="260" r:id="rId15"/>
+    <p:sldId id="269" r:id="rId16"/>
+    <p:sldId id="274" r:id="rId17"/>
+    <p:sldId id="281" r:id="rId18"/>
+    <p:sldId id="289" r:id="rId19"/>
+    <p:sldId id="262" r:id="rId20"/>
+    <p:sldId id="275" r:id="rId21"/>
+    <p:sldId id="276" r:id="rId22"/>
+    <p:sldId id="277" r:id="rId23"/>
+    <p:sldId id="278" r:id="rId24"/>
+    <p:sldId id="279" r:id="rId25"/>
+    <p:sldId id="266" r:id="rId26"/>
+    <p:sldId id="271" r:id="rId27"/>
+    <p:sldId id="290" r:id="rId28"/>
+    <p:sldId id="273" r:id="rId29"/>
+    <p:sldId id="288" r:id="rId30"/>
+    <p:sldId id="263" r:id="rId31"/>
+    <p:sldId id="282" r:id="rId32"/>
+    <p:sldId id="283" r:id="rId33"/>
+    <p:sldId id="265" r:id="rId34"/>
+    <p:sldId id="272" r:id="rId35"/>
+    <p:sldId id="264" r:id="rId36"/>
   </p:sldIdLst>
   <p:sldSz cx="12192000" cy="6858000"/>
   <p:notesSz cx="6858000" cy="9144000"/>
@@ -278,7 +285,7 @@
           <a:p>
             <a:fld id="{04F0A946-11EB-B647-99B9-46EA253E02C0}" type="datetimeFigureOut">
               <a:rPr lang="en-US" smtClean="0"/>
-              <a:t>3/9/23</a:t>
+              <a:t>3/21/24</a:t>
             </a:fld>
             <a:endParaRPr lang="en-US"/>
           </a:p>
@@ -489,7 +496,7 @@
           <a:p>
             <a:fld id="{04F0A946-11EB-B647-99B9-46EA253E02C0}" type="datetimeFigureOut">
               <a:rPr lang="en-US" smtClean="0"/>
-              <a:t>3/9/23</a:t>
+              <a:t>3/21/24</a:t>
             </a:fld>
             <a:endParaRPr lang="en-US"/>
           </a:p>
@@ -704,7 +711,7 @@
           <a:p>
             <a:fld id="{04F0A946-11EB-B647-99B9-46EA253E02C0}" type="datetimeFigureOut">
               <a:rPr lang="en-US" smtClean="0"/>
-              <a:t>3/9/23</a:t>
+              <a:t>3/21/24</a:t>
             </a:fld>
             <a:endParaRPr lang="en-US"/>
           </a:p>
@@ -905,7 +912,7 @@
           <a:p>
             <a:fld id="{04F0A946-11EB-B647-99B9-46EA253E02C0}" type="datetimeFigureOut">
               <a:rPr lang="en-US" smtClean="0"/>
-              <a:t>3/9/23</a:t>
+              <a:t>3/21/24</a:t>
             </a:fld>
             <a:endParaRPr lang="en-US"/>
           </a:p>
@@ -1184,7 +1191,7 @@
           <a:p>
             <a:fld id="{04F0A946-11EB-B647-99B9-46EA253E02C0}" type="datetimeFigureOut">
               <a:rPr lang="en-US" smtClean="0"/>
-              <a:t>3/9/23</a:t>
+              <a:t>3/21/24</a:t>
             </a:fld>
             <a:endParaRPr lang="en-US"/>
           </a:p>
@@ -1452,7 +1459,7 @@
           <a:p>
             <a:fld id="{04F0A946-11EB-B647-99B9-46EA253E02C0}" type="datetimeFigureOut">
               <a:rPr lang="en-US" smtClean="0"/>
-              <a:t>3/9/23</a:t>
+              <a:t>3/21/24</a:t>
             </a:fld>
             <a:endParaRPr lang="en-US"/>
           </a:p>
@@ -1868,7 +1875,7 @@
           <a:p>
             <a:fld id="{04F0A946-11EB-B647-99B9-46EA253E02C0}" type="datetimeFigureOut">
               <a:rPr lang="en-US" smtClean="0"/>
-              <a:t>3/9/23</a:t>
+              <a:t>3/21/24</a:t>
             </a:fld>
             <a:endParaRPr lang="en-US"/>
           </a:p>
@@ -2017,7 +2024,7 @@
           <a:p>
             <a:fld id="{04F0A946-11EB-B647-99B9-46EA253E02C0}" type="datetimeFigureOut">
               <a:rPr lang="en-US" smtClean="0"/>
-              <a:t>3/9/23</a:t>
+              <a:t>3/21/24</a:t>
             </a:fld>
             <a:endParaRPr lang="en-US"/>
           </a:p>
@@ -2143,7 +2150,7 @@
           <a:p>
             <a:fld id="{04F0A946-11EB-B647-99B9-46EA253E02C0}" type="datetimeFigureOut">
               <a:rPr lang="en-US" smtClean="0"/>
-              <a:t>3/9/23</a:t>
+              <a:t>3/21/24</a:t>
             </a:fld>
             <a:endParaRPr lang="en-US"/>
           </a:p>
@@ -2394,7 +2401,7 @@
           <a:p>
             <a:fld id="{04F0A946-11EB-B647-99B9-46EA253E02C0}" type="datetimeFigureOut">
               <a:rPr lang="en-US" smtClean="0"/>
-              <a:t>3/9/23</a:t>
+              <a:t>3/21/24</a:t>
             </a:fld>
             <a:endParaRPr lang="en-US"/>
           </a:p>
@@ -2839,7 +2846,7 @@
           <a:p>
             <a:fld id="{04F0A946-11EB-B647-99B9-46EA253E02C0}" type="datetimeFigureOut">
               <a:rPr lang="en-US" smtClean="0"/>
-              <a:t>3/9/23</a:t>
+              <a:t>3/21/24</a:t>
             </a:fld>
             <a:endParaRPr lang="en-US"/>
           </a:p>
@@ -3166,7 +3173,7 @@
           <a:p>
             <a:fld id="{04F0A946-11EB-B647-99B9-46EA253E02C0}" type="datetimeFigureOut">
               <a:rPr lang="en-US" smtClean="0"/>
-              <a:t>3/9/23</a:t>
+              <a:t>3/21/24</a:t>
             </a:fld>
             <a:endParaRPr lang="en-US"/>
           </a:p>
@@ -3673,7 +3680,10 @@
           <a:bodyPr/>
           <a:lstStyle/>
           <a:p>
-            <a:endParaRPr lang="en-US"/>
+            <a:r>
+              <a:rPr lang="en-US" dirty="0"/>
+              <a:t>Housekeeping</a:t>
+            </a:r>
           </a:p>
         </p:txBody>
       </p:sp>
@@ -3693,12 +3703,83 @@
             <p:ph idx="1"/>
           </p:nvPr>
         </p:nvSpPr>
-        <p:spPr/>
-        <p:txBody>
-          <a:bodyPr/>
-          <a:lstStyle/>
-          <a:p>
-            <a:endParaRPr lang="en-US"/>
+        <p:spPr>
+          <a:xfrm>
+            <a:off x="1451579" y="1928192"/>
+            <a:ext cx="9603275" cy="4125290"/>
+          </a:xfrm>
+        </p:spPr>
+        <p:txBody>
+          <a:bodyPr/>
+          <a:lstStyle/>
+          <a:p>
+            <a:r>
+              <a:rPr lang="en-US" dirty="0"/>
+              <a:t>Today:</a:t>
+            </a:r>
+          </a:p>
+          <a:p>
+            <a:pPr lvl="1"/>
+            <a:r>
+              <a:rPr lang="en-US" dirty="0"/>
+              <a:t>Boosted ensembles.</a:t>
+            </a:r>
+          </a:p>
+          <a:p>
+            <a:r>
+              <a:rPr lang="en-US" dirty="0"/>
+              <a:t>Things we are hopefully OK with:</a:t>
+            </a:r>
+          </a:p>
+          <a:p>
+            <a:pPr lvl="1"/>
+            <a:r>
+              <a:rPr lang="en-US" dirty="0"/>
+              <a:t>Predictive model type and their use – classification, regression, clustering, time series. </a:t>
+            </a:r>
+          </a:p>
+          <a:p>
+            <a:pPr lvl="1"/>
+            <a:r>
+              <a:rPr lang="en-US" dirty="0"/>
+              <a:t>Assorted </a:t>
+            </a:r>
+            <a:r>
+              <a:rPr lang="en-US" dirty="0" err="1"/>
+              <a:t>sklearn-ish</a:t>
+            </a:r>
+            <a:r>
+              <a:rPr lang="en-US" dirty="0"/>
+              <a:t> data prep – pipes, cleaning data, PCA/transformations, </a:t>
+            </a:r>
+            <a:r>
+              <a:rPr lang="en-US" dirty="0" err="1"/>
+              <a:t>etc</a:t>
+            </a:r>
+            <a:r>
+              <a:rPr lang="en-US" dirty="0"/>
+              <a:t>…</a:t>
+            </a:r>
+          </a:p>
+          <a:p>
+            <a:pPr lvl="1"/>
+            <a:r>
+              <a:rPr lang="en-US" dirty="0"/>
+              <a:t>Creating and evaluating models – HP tuning, results, comparing models. </a:t>
+            </a:r>
+          </a:p>
+          <a:p>
+            <a:r>
+              <a:rPr lang="en-US" dirty="0"/>
+              <a:t>After today:</a:t>
+            </a:r>
+          </a:p>
+          <a:p>
+            <a:pPr lvl="1"/>
+            <a:r>
+              <a:rPr lang="en-US" dirty="0"/>
+              <a:t>Neural networks. </a:t>
+            </a:r>
           </a:p>
         </p:txBody>
       </p:sp>
@@ -3716,410 +3797,6 @@
 </file>
 
 <file path=ppt/slides/slide10.xml><?xml version="1.0" encoding="utf-8"?>
-<p:sld xmlns:a="http://schemas.openxmlformats.org/drawingml/2006/main" xmlns:r="http://schemas.openxmlformats.org/officeDocument/2006/relationships" xmlns:p="http://schemas.openxmlformats.org/presentationml/2006/main">
-  <p:cSld>
-    <p:spTree>
-      <p:nvGrpSpPr>
-        <p:cNvPr id="1" name=""/>
-        <p:cNvGrpSpPr/>
-        <p:nvPr/>
-      </p:nvGrpSpPr>
-      <p:grpSpPr>
-        <a:xfrm>
-          <a:off x="0" y="0"/>
-          <a:ext cx="0" cy="0"/>
-          <a:chOff x="0" y="0"/>
-          <a:chExt cx="0" cy="0"/>
-        </a:xfrm>
-      </p:grpSpPr>
-      <p:sp>
-        <p:nvSpPr>
-          <p:cNvPr id="2" name="Title 1">
-            <a:extLst>
-              <a:ext uri="{FF2B5EF4-FFF2-40B4-BE49-F238E27FC236}">
-                <a16:creationId xmlns:a16="http://schemas.microsoft.com/office/drawing/2014/main" id="{AE9FA29D-E980-1147-A21A-3CDAA4C66116}"/>
-              </a:ext>
-            </a:extLst>
-          </p:cNvPr>
-          <p:cNvSpPr>
-            <a:spLocks noGrp="1"/>
-          </p:cNvSpPr>
-          <p:nvPr>
-            <p:ph type="title"/>
-          </p:nvPr>
-        </p:nvSpPr>
-        <p:spPr/>
-        <p:txBody>
-          <a:bodyPr/>
-          <a:lstStyle/>
-          <a:p>
-            <a:r>
-              <a:rPr lang="en-US" dirty="0"/>
-              <a:t>AdaBoost</a:t>
-            </a:r>
-          </a:p>
-        </p:txBody>
-      </p:sp>
-      <p:sp>
-        <p:nvSpPr>
-          <p:cNvPr id="3" name="Content Placeholder 2">
-            <a:extLst>
-              <a:ext uri="{FF2B5EF4-FFF2-40B4-BE49-F238E27FC236}">
-                <a16:creationId xmlns:a16="http://schemas.microsoft.com/office/drawing/2014/main" id="{A99A4781-2BF1-1A4D-8966-C2ED2145F06E}"/>
-              </a:ext>
-            </a:extLst>
-          </p:cNvPr>
-          <p:cNvSpPr>
-            <a:spLocks noGrp="1"/>
-          </p:cNvSpPr>
-          <p:nvPr>
-            <p:ph idx="1"/>
-          </p:nvPr>
-        </p:nvSpPr>
-        <p:spPr>
-          <a:xfrm>
-            <a:off x="1451579" y="2015732"/>
-            <a:ext cx="9603275" cy="4150892"/>
-          </a:xfrm>
-        </p:spPr>
-        <p:txBody>
-          <a:bodyPr/>
-          <a:lstStyle/>
-          <a:p>
-            <a:r>
-              <a:rPr lang="en-US" dirty="0"/>
-              <a:t>One ensemble algorithm is </a:t>
-            </a:r>
-            <a:r>
-              <a:rPr lang="en-US" dirty="0" err="1"/>
-              <a:t>Adaboost</a:t>
-            </a:r>
-            <a:r>
-              <a:rPr lang="en-US" dirty="0"/>
-              <a:t> – adaptive boosting. </a:t>
-            </a:r>
-          </a:p>
-          <a:p>
-            <a:r>
-              <a:rPr lang="en-US" dirty="0" err="1"/>
-              <a:t>Adaboost</a:t>
-            </a:r>
-            <a:r>
-              <a:rPr lang="en-US" dirty="0"/>
-              <a:t> works by updating sets of weights as data goes through each model:</a:t>
-            </a:r>
-          </a:p>
-          <a:p>
-            <a:pPr lvl="1"/>
-            <a:r>
-              <a:rPr lang="en-US" dirty="0"/>
-              <a:t>A weighted sample of data goes through model N.</a:t>
-            </a:r>
-          </a:p>
-          <a:p>
-            <a:pPr lvl="1"/>
-            <a:r>
-              <a:rPr lang="en-US" dirty="0"/>
-              <a:t>Model N gets a weight value increased if it is accurate, decreased if inaccurate. </a:t>
-            </a:r>
-          </a:p>
-          <a:p>
-            <a:pPr lvl="1"/>
-            <a:r>
-              <a:rPr lang="en-US" dirty="0"/>
-              <a:t>Data that is correctly predicted gets a weight decreased, incorrect gets an increase. </a:t>
-            </a:r>
-          </a:p>
-          <a:p>
-            <a:pPr lvl="1"/>
-            <a:r>
-              <a:rPr lang="en-US" dirty="0"/>
-              <a:t>Data with higher weights gets sampled more frequently. </a:t>
-            </a:r>
-          </a:p>
-          <a:p>
-            <a:pPr lvl="1"/>
-            <a:r>
-              <a:rPr lang="en-US" dirty="0"/>
-              <a:t>Weights of classifiers combine for final prediction – better accuracy, more influence. </a:t>
-            </a:r>
-          </a:p>
-          <a:p>
-            <a:r>
-              <a:rPr lang="en-US" dirty="0"/>
-              <a:t>Result – Easy to predict data is dealt with quickly, harder data goes through more models; the most accurate models are more important in final prediction. </a:t>
-            </a:r>
-          </a:p>
-        </p:txBody>
-      </p:sp>
-    </p:spTree>
-    <p:extLst>
-      <p:ext uri="{BB962C8B-B14F-4D97-AF65-F5344CB8AC3E}">
-        <p14:creationId xmlns:p14="http://schemas.microsoft.com/office/powerpoint/2010/main" val="2078531147"/>
-      </p:ext>
-    </p:extLst>
-  </p:cSld>
-  <p:clrMapOvr>
-    <a:masterClrMapping/>
-  </p:clrMapOvr>
-</p:sld>
-</file>
-
-<file path=ppt/slides/slide11.xml><?xml version="1.0" encoding="utf-8"?>
-<p:sld xmlns:a="http://schemas.openxmlformats.org/drawingml/2006/main" xmlns:r="http://schemas.openxmlformats.org/officeDocument/2006/relationships" xmlns:p="http://schemas.openxmlformats.org/presentationml/2006/main">
-  <p:cSld>
-    <p:spTree>
-      <p:nvGrpSpPr>
-        <p:cNvPr id="1" name=""/>
-        <p:cNvGrpSpPr/>
-        <p:nvPr/>
-      </p:nvGrpSpPr>
-      <p:grpSpPr>
-        <a:xfrm>
-          <a:off x="0" y="0"/>
-          <a:ext cx="0" cy="0"/>
-          <a:chOff x="0" y="0"/>
-          <a:chExt cx="0" cy="0"/>
-        </a:xfrm>
-      </p:grpSpPr>
-      <p:sp>
-        <p:nvSpPr>
-          <p:cNvPr id="2" name="Title 1">
-            <a:extLst>
-              <a:ext uri="{FF2B5EF4-FFF2-40B4-BE49-F238E27FC236}">
-                <a16:creationId xmlns:a16="http://schemas.microsoft.com/office/drawing/2014/main" id="{B8171FD4-14C8-DD48-A1BD-31311E0FE48B}"/>
-              </a:ext>
-            </a:extLst>
-          </p:cNvPr>
-          <p:cNvSpPr>
-            <a:spLocks noGrp="1"/>
-          </p:cNvSpPr>
-          <p:nvPr>
-            <p:ph type="title"/>
-          </p:nvPr>
-        </p:nvSpPr>
-        <p:spPr/>
-        <p:txBody>
-          <a:bodyPr/>
-          <a:lstStyle/>
-          <a:p>
-            <a:endParaRPr lang="en-US"/>
-          </a:p>
-        </p:txBody>
-      </p:sp>
-      <p:sp>
-        <p:nvSpPr>
-          <p:cNvPr id="3" name="Content Placeholder 2">
-            <a:extLst>
-              <a:ext uri="{FF2B5EF4-FFF2-40B4-BE49-F238E27FC236}">
-                <a16:creationId xmlns:a16="http://schemas.microsoft.com/office/drawing/2014/main" id="{6C6253D1-12B5-F547-BEC0-6AE3863E9FE5}"/>
-              </a:ext>
-            </a:extLst>
-          </p:cNvPr>
-          <p:cNvSpPr>
-            <a:spLocks noGrp="1"/>
-          </p:cNvSpPr>
-          <p:nvPr>
-            <p:ph idx="1"/>
-          </p:nvPr>
-        </p:nvSpPr>
-        <p:spPr/>
-        <p:txBody>
-          <a:bodyPr/>
-          <a:lstStyle/>
-          <a:p>
-            <a:endParaRPr lang="en-US"/>
-          </a:p>
-        </p:txBody>
-      </p:sp>
-      <p:pic>
-        <p:nvPicPr>
-          <p:cNvPr id="3076" name="Picture 4" descr="Understanding AdaBoost for Decision Tree | by Valentina Alto | Towards Data  Science">
-            <a:extLst>
-              <a:ext uri="{FF2B5EF4-FFF2-40B4-BE49-F238E27FC236}">
-                <a16:creationId xmlns:a16="http://schemas.microsoft.com/office/drawing/2014/main" id="{E2A779D4-5A36-BC47-831A-64A4C5E6695B}"/>
-              </a:ext>
-            </a:extLst>
-          </p:cNvPr>
-          <p:cNvPicPr>
-            <a:picLocks noChangeAspect="1" noChangeArrowheads="1"/>
-          </p:cNvPicPr>
-          <p:nvPr/>
-        </p:nvPicPr>
-        <p:blipFill>
-          <a:blip r:embed="rId2">
-            <a:extLst>
-              <a:ext uri="{28A0092B-C50C-407E-A947-70E740481C1C}">
-                <a14:useLocalDpi xmlns:a14="http://schemas.microsoft.com/office/drawing/2010/main" val="0"/>
-              </a:ext>
-            </a:extLst>
-          </a:blip>
-          <a:srcRect/>
-          <a:stretch>
-            <a:fillRect/>
-          </a:stretch>
-        </p:blipFill>
-        <p:spPr bwMode="auto">
-          <a:xfrm>
-            <a:off x="-27083" y="986971"/>
-            <a:ext cx="12191573" cy="4862286"/>
-          </a:xfrm>
-          <a:prstGeom prst="rect">
-            <a:avLst/>
-          </a:prstGeom>
-          <a:noFill/>
-          <a:extLst>
-            <a:ext uri="{909E8E84-426E-40DD-AFC4-6F175D3DCCD1}">
-              <a14:hiddenFill xmlns:a14="http://schemas.microsoft.com/office/drawing/2010/main">
-                <a:solidFill>
-                  <a:srgbClr val="FFFFFF"/>
-                </a:solidFill>
-              </a14:hiddenFill>
-            </a:ext>
-          </a:extLst>
-        </p:spPr>
-      </p:pic>
-    </p:spTree>
-    <p:extLst>
-      <p:ext uri="{BB962C8B-B14F-4D97-AF65-F5344CB8AC3E}">
-        <p14:creationId xmlns:p14="http://schemas.microsoft.com/office/powerpoint/2010/main" val="81292106"/>
-      </p:ext>
-    </p:extLst>
-  </p:cSld>
-  <p:clrMapOvr>
-    <a:masterClrMapping/>
-  </p:clrMapOvr>
-</p:sld>
-</file>
-
-<file path=ppt/slides/slide12.xml><?xml version="1.0" encoding="utf-8"?>
-<p:sld xmlns:a="http://schemas.openxmlformats.org/drawingml/2006/main" xmlns:r="http://schemas.openxmlformats.org/officeDocument/2006/relationships" xmlns:p="http://schemas.openxmlformats.org/presentationml/2006/main">
-  <p:cSld>
-    <p:spTree>
-      <p:nvGrpSpPr>
-        <p:cNvPr id="1" name=""/>
-        <p:cNvGrpSpPr/>
-        <p:nvPr/>
-      </p:nvGrpSpPr>
-      <p:grpSpPr>
-        <a:xfrm>
-          <a:off x="0" y="0"/>
-          <a:ext cx="0" cy="0"/>
-          <a:chOff x="0" y="0"/>
-          <a:chExt cx="0" cy="0"/>
-        </a:xfrm>
-      </p:grpSpPr>
-      <p:sp>
-        <p:nvSpPr>
-          <p:cNvPr id="2" name="Title 1">
-            <a:extLst>
-              <a:ext uri="{FF2B5EF4-FFF2-40B4-BE49-F238E27FC236}">
-                <a16:creationId xmlns:a16="http://schemas.microsoft.com/office/drawing/2014/main" id="{89DA93ED-7620-0443-8E27-2A0EFD858533}"/>
-              </a:ext>
-            </a:extLst>
-          </p:cNvPr>
-          <p:cNvSpPr>
-            <a:spLocks noGrp="1"/>
-          </p:cNvSpPr>
-          <p:nvPr>
-            <p:ph type="title"/>
-          </p:nvPr>
-        </p:nvSpPr>
-        <p:spPr/>
-        <p:txBody>
-          <a:bodyPr/>
-          <a:lstStyle/>
-          <a:p>
-            <a:endParaRPr lang="en-US"/>
-          </a:p>
-        </p:txBody>
-      </p:sp>
-      <p:sp>
-        <p:nvSpPr>
-          <p:cNvPr id="3" name="Content Placeholder 2">
-            <a:extLst>
-              <a:ext uri="{FF2B5EF4-FFF2-40B4-BE49-F238E27FC236}">
-                <a16:creationId xmlns:a16="http://schemas.microsoft.com/office/drawing/2014/main" id="{7A1B4181-686D-C447-8164-9A1200E4ABEA}"/>
-              </a:ext>
-            </a:extLst>
-          </p:cNvPr>
-          <p:cNvSpPr>
-            <a:spLocks noGrp="1"/>
-          </p:cNvSpPr>
-          <p:nvPr>
-            <p:ph idx="1"/>
-          </p:nvPr>
-        </p:nvSpPr>
-        <p:spPr/>
-        <p:txBody>
-          <a:bodyPr/>
-          <a:lstStyle/>
-          <a:p>
-            <a:endParaRPr lang="en-US"/>
-          </a:p>
-        </p:txBody>
-      </p:sp>
-      <p:pic>
-        <p:nvPicPr>
-          <p:cNvPr id="8194" name="Picture 2" descr="Adaboost | Python">
-            <a:extLst>
-              <a:ext uri="{FF2B5EF4-FFF2-40B4-BE49-F238E27FC236}">
-                <a16:creationId xmlns:a16="http://schemas.microsoft.com/office/drawing/2014/main" id="{B1767790-8EEE-7547-A0F2-272FA036D8B2}"/>
-              </a:ext>
-            </a:extLst>
-          </p:cNvPr>
-          <p:cNvPicPr>
-            <a:picLocks noChangeAspect="1" noChangeArrowheads="1"/>
-          </p:cNvPicPr>
-          <p:nvPr/>
-        </p:nvPicPr>
-        <p:blipFill>
-          <a:blip r:embed="rId2">
-            <a:extLst>
-              <a:ext uri="{28A0092B-C50C-407E-A947-70E740481C1C}">
-                <a14:useLocalDpi xmlns:a14="http://schemas.microsoft.com/office/drawing/2010/main" val="0"/>
-              </a:ext>
-            </a:extLst>
-          </a:blip>
-          <a:srcRect/>
-          <a:stretch>
-            <a:fillRect/>
-          </a:stretch>
-        </p:blipFill>
-        <p:spPr bwMode="auto">
-          <a:xfrm>
-            <a:off x="0" y="0"/>
-            <a:ext cx="12192000" cy="6858000"/>
-          </a:xfrm>
-          <a:prstGeom prst="rect">
-            <a:avLst/>
-          </a:prstGeom>
-          <a:noFill/>
-          <a:extLst>
-            <a:ext uri="{909E8E84-426E-40DD-AFC4-6F175D3DCCD1}">
-              <a14:hiddenFill xmlns:a14="http://schemas.microsoft.com/office/drawing/2010/main">
-                <a:solidFill>
-                  <a:srgbClr val="FFFFFF"/>
-                </a:solidFill>
-              </a14:hiddenFill>
-            </a:ext>
-          </a:extLst>
-        </p:spPr>
-      </p:pic>
-    </p:spTree>
-    <p:extLst>
-      <p:ext uri="{BB962C8B-B14F-4D97-AF65-F5344CB8AC3E}">
-        <p14:creationId xmlns:p14="http://schemas.microsoft.com/office/powerpoint/2010/main" val="2536215090"/>
-      </p:ext>
-    </p:extLst>
-  </p:cSld>
-  <p:clrMapOvr>
-    <a:masterClrMapping/>
-  </p:clrMapOvr>
-</p:sld>
-</file>
-
-<file path=ppt/slides/slide13.xml><?xml version="1.0" encoding="utf-8"?>
 <p:sld xmlns:a="http://schemas.openxmlformats.org/drawingml/2006/main" xmlns:r="http://schemas.openxmlformats.org/officeDocument/2006/relationships" xmlns:p="http://schemas.openxmlformats.org/presentationml/2006/main">
   <p:cSld>
     <p:bg>
@@ -4162,63 +3839,253 @@
       </p:grpSpPr>
       <p:sp>
         <p:nvSpPr>
-          <p:cNvPr id="2" name="Title 1">
+          <p:cNvPr id="71" name="Rectangle 70">
             <a:extLst>
               <a:ext uri="{FF2B5EF4-FFF2-40B4-BE49-F238E27FC236}">
-                <a16:creationId xmlns:a16="http://schemas.microsoft.com/office/drawing/2014/main" id="{2B8F457F-5915-AE13-1B3A-F6EF5624FB3F}"/>
+                <a16:creationId xmlns:a16="http://schemas.microsoft.com/office/drawing/2014/main" id="{CDDE5CDF-1512-4CDA-B956-23D223F8DE44}"/>
+              </a:ext>
+              <a:ext uri="{C183D7F6-B498-43B3-948B-1728B52AA6E4}">
+                <adec:decorative xmlns:adec="http://schemas.microsoft.com/office/drawing/2017/decorative" val="1"/>
               </a:ext>
             </a:extLst>
           </p:cNvPr>
           <p:cNvSpPr>
-            <a:spLocks noGrp="1"/>
-          </p:cNvSpPr>
-          <p:nvPr>
-            <p:ph type="title"/>
+            <a:spLocks noGrp="1" noRot="1" noChangeAspect="1" noMove="1" noResize="1" noEditPoints="1" noAdjustHandles="1" noChangeArrowheads="1" noChangeShapeType="1" noTextEdit="1"/>
+          </p:cNvSpPr>
+          <p:nvPr>
+            <p:extLst>
+              <p:ext uri="{386F3935-93C4-4BCD-93E2-E3B085C9AB24}">
+                <p16:designElem xmlns:p16="http://schemas.microsoft.com/office/powerpoint/2015/main" val="1"/>
+              </p:ext>
+            </p:extLst>
           </p:nvPr>
         </p:nvSpPr>
         <p:spPr>
           <a:xfrm>
-            <a:off x="1451579" y="804519"/>
-            <a:ext cx="9603275" cy="1049235"/>
+            <a:off x="0" y="2019476"/>
+            <a:ext cx="12192000" cy="4105941"/>
           </a:xfrm>
+          <a:prstGeom prst="rect">
+            <a:avLst/>
+          </a:prstGeom>
+          <a:gradFill flip="none" rotWithShape="1">
+            <a:gsLst>
+              <a:gs pos="0">
+                <a:schemeClr val="bg2">
+                  <a:alpha val="0"/>
+                </a:schemeClr>
+              </a:gs>
+              <a:gs pos="100000">
+                <a:schemeClr val="bg2"/>
+              </a:gs>
+            </a:gsLst>
+            <a:lin ang="5400000" scaled="0"/>
+            <a:tileRect/>
+          </a:gradFill>
+          <a:ln>
+            <a:noFill/>
+          </a:ln>
         </p:spPr>
-        <p:txBody>
-          <a:bodyPr>
-            <a:normAutofit/>
-          </a:bodyPr>
-          <a:lstStyle/>
-          <a:p>
-            <a:r>
-              <a:rPr lang="en-US" dirty="0"/>
-              <a:t>Final </a:t>
-            </a:r>
-            <a:r>
-              <a:rPr lang="en-US" dirty="0" err="1"/>
-              <a:t>Adaboost</a:t>
-            </a:r>
-            <a:r>
-              <a:rPr lang="en-US" dirty="0"/>
-              <a:t> Prediction</a:t>
-            </a:r>
+        <p:style>
+          <a:lnRef idx="2">
+            <a:schemeClr val="accent1">
+              <a:shade val="50000"/>
+            </a:schemeClr>
+          </a:lnRef>
+          <a:fillRef idx="1">
+            <a:schemeClr val="accent1"/>
+          </a:fillRef>
+          <a:effectRef idx="0">
+            <a:schemeClr val="accent1"/>
+          </a:effectRef>
+          <a:fontRef idx="minor">
+            <a:schemeClr val="lt1"/>
+          </a:fontRef>
+        </p:style>
+        <p:txBody>
+          <a:bodyPr/>
+          <a:lstStyle/>
+          <a:p>
+            <a:endParaRPr lang="en-US"/>
           </a:p>
         </p:txBody>
       </p:sp>
       <p:pic>
         <p:nvPicPr>
-          <p:cNvPr id="1026" name="Picture 2">
+          <p:cNvPr id="73" name="Picture 72">
             <a:extLst>
               <a:ext uri="{FF2B5EF4-FFF2-40B4-BE49-F238E27FC236}">
-                <a16:creationId xmlns:a16="http://schemas.microsoft.com/office/drawing/2014/main" id="{4AFCFBBA-9FE3-31C8-1B5C-97FCE85C98C6}"/>
+                <a16:creationId xmlns:a16="http://schemas.microsoft.com/office/drawing/2014/main" id="{B029D7D8-5A6B-4C76-94C8-15798C6C5ADB}"/>
+              </a:ext>
+              <a:ext uri="{C183D7F6-B498-43B3-948B-1728B52AA6E4}">
+                <adec:decorative xmlns:adec="http://schemas.microsoft.com/office/drawing/2017/decorative" val="1"/>
               </a:ext>
             </a:extLst>
           </p:cNvPr>
           <p:cNvPicPr>
-            <a:picLocks noChangeAspect="1" noChangeArrowheads="1"/>
+            <a:picLocks noGrp="1" noRot="1" noChangeAspect="1" noMove="1" noResize="1" noEditPoints="1" noAdjustHandles="1" noChangeArrowheads="1" noChangeShapeType="1" noCrop="1"/>
           </p:cNvPicPr>
-          <p:nvPr/>
+          <p:nvPr>
+            <p:extLst>
+              <p:ext uri="{386F3935-93C4-4BCD-93E2-E3B085C9AB24}">
+                <p16:designElem xmlns:p16="http://schemas.microsoft.com/office/powerpoint/2015/main" val="1"/>
+              </p:ext>
+            </p:extLst>
+          </p:nvPr>
+        </p:nvPicPr>
+        <p:blipFill rotWithShape="1">
+          <a:blip r:embed="rId2">
+            <a:extLst>
+              <a:ext uri="{28A0092B-C50C-407E-A947-70E740481C1C}">
+                <a14:useLocalDpi xmlns:a14="http://schemas.microsoft.com/office/drawing/2010/main" val="0"/>
+              </a:ext>
+            </a:extLst>
+          </a:blip>
+          <a:srcRect t="1538" b="-1538"/>
+          <a:stretch/>
+        </p:blipFill>
+        <p:spPr bwMode="black">
+          <a:xfrm>
+            <a:off x="0" y="6126480"/>
+            <a:ext cx="12192000" cy="742950"/>
+          </a:xfrm>
+          <a:prstGeom prst="rect">
+            <a:avLst/>
+          </a:prstGeom>
+        </p:spPr>
+      </p:pic>
+      <p:cxnSp>
+        <p:nvCxnSpPr>
+          <p:cNvPr id="75" name="Straight Connector 74">
+            <a:extLst>
+              <a:ext uri="{FF2B5EF4-FFF2-40B4-BE49-F238E27FC236}">
+                <a16:creationId xmlns:a16="http://schemas.microsoft.com/office/drawing/2014/main" id="{A5C9319C-E20D-4884-952F-60B6A58C3E34}"/>
+              </a:ext>
+              <a:ext uri="{C183D7F6-B498-43B3-948B-1728B52AA6E4}">
+                <adec:decorative xmlns:adec="http://schemas.microsoft.com/office/drawing/2017/decorative" val="1"/>
+              </a:ext>
+            </a:extLst>
+          </p:cNvPr>
+          <p:cNvCxnSpPr>
+            <a:cxnSpLocks noGrp="1" noRot="1" noChangeAspect="1" noMove="1" noResize="1" noEditPoints="1" noAdjustHandles="1" noChangeArrowheads="1" noChangeShapeType="1"/>
+          </p:cNvCxnSpPr>
+          <p:nvPr>
+            <p:extLst>
+              <p:ext uri="{386F3935-93C4-4BCD-93E2-E3B085C9AB24}">
+                <p16:designElem xmlns:p16="http://schemas.microsoft.com/office/powerpoint/2015/main" val="1"/>
+              </p:ext>
+            </p:extLst>
+          </p:nvPr>
+        </p:nvCxnSpPr>
+        <p:spPr>
+          <a:xfrm>
+            <a:off x="0" y="6128413"/>
+            <a:ext cx="12192000" cy="0"/>
+          </a:xfrm>
+          <a:prstGeom prst="line">
+            <a:avLst/>
+          </a:prstGeom>
+          <a:ln w="12700">
+            <a:solidFill>
+              <a:srgbClr val="000001">
+                <a:alpha val="20000"/>
+              </a:srgbClr>
+            </a:solidFill>
+          </a:ln>
+        </p:spPr>
+        <p:style>
+          <a:lnRef idx="1">
+            <a:schemeClr val="accent1"/>
+          </a:lnRef>
+          <a:fillRef idx="0">
+            <a:schemeClr val="accent1"/>
+          </a:fillRef>
+          <a:effectRef idx="0">
+            <a:schemeClr val="accent1"/>
+          </a:effectRef>
+          <a:fontRef idx="minor">
+            <a:schemeClr val="tx1"/>
+          </a:fontRef>
+        </p:style>
+      </p:cxnSp>
+      <p:sp useBgFill="1">
+        <p:nvSpPr>
+          <p:cNvPr id="77" name="Rectangle 76">
+            <a:extLst>
+              <a:ext uri="{FF2B5EF4-FFF2-40B4-BE49-F238E27FC236}">
+                <a16:creationId xmlns:a16="http://schemas.microsoft.com/office/drawing/2014/main" id="{62C9703D-C8F9-44AD-A7C0-C2F3871F8C1B}"/>
+              </a:ext>
+              <a:ext uri="{C183D7F6-B498-43B3-948B-1728B52AA6E4}">
+                <adec:decorative xmlns:adec="http://schemas.microsoft.com/office/drawing/2017/decorative" val="1"/>
+              </a:ext>
+            </a:extLst>
+          </p:cNvPr>
+          <p:cNvSpPr>
+            <a:spLocks noGrp="1" noRot="1" noChangeAspect="1" noMove="1" noResize="1" noEditPoints="1" noAdjustHandles="1" noChangeArrowheads="1" noChangeShapeType="1" noTextEdit="1"/>
+          </p:cNvSpPr>
+          <p:nvPr>
+            <p:extLst>
+              <p:ext uri="{386F3935-93C4-4BCD-93E2-E3B085C9AB24}">
+                <p16:designElem xmlns:p16="http://schemas.microsoft.com/office/powerpoint/2015/main" val="1"/>
+              </p:ext>
+            </p:extLst>
+          </p:nvPr>
+        </p:nvSpPr>
+        <p:spPr>
+          <a:xfrm>
+            <a:off x="0" y="0"/>
+            <a:ext cx="12192000" cy="6160168"/>
+          </a:xfrm>
+          <a:prstGeom prst="rect">
+            <a:avLst/>
+          </a:prstGeom>
+          <a:ln>
+            <a:noFill/>
+          </a:ln>
+        </p:spPr>
+        <p:style>
+          <a:lnRef idx="2">
+            <a:schemeClr val="accent1">
+              <a:shade val="50000"/>
+            </a:schemeClr>
+          </a:lnRef>
+          <a:fillRef idx="1">
+            <a:schemeClr val="accent1"/>
+          </a:fillRef>
+          <a:effectRef idx="0">
+            <a:schemeClr val="accent1"/>
+          </a:effectRef>
+          <a:fontRef idx="minor">
+            <a:schemeClr val="lt1"/>
+          </a:fontRef>
+        </p:style>
+        <p:txBody>
+          <a:bodyPr rtlCol="0" anchor="ctr"/>
+          <a:lstStyle/>
+          <a:p>
+            <a:pPr algn="ctr"/>
+            <a:endParaRPr lang="en-US"/>
+          </a:p>
+        </p:txBody>
+      </p:sp>
+      <p:pic>
+        <p:nvPicPr>
+          <p:cNvPr id="4098" name="Picture 2" descr="Weak Learners &amp;amp;amp; Strong Learners for Machine Learning | by Mehmet Akturk |  Medium">
+            <a:extLst>
+              <a:ext uri="{FF2B5EF4-FFF2-40B4-BE49-F238E27FC236}">
+                <a16:creationId xmlns:a16="http://schemas.microsoft.com/office/drawing/2014/main" id="{9EDFC243-2C5E-8D45-B06A-EA1748A159A2}"/>
+              </a:ext>
+            </a:extLst>
+          </p:cNvPr>
+          <p:cNvPicPr>
+            <a:picLocks noGrp="1" noChangeAspect="1" noChangeArrowheads="1"/>
+          </p:cNvPicPr>
+          <p:nvPr>
+            <p:ph idx="1"/>
+          </p:nvPr>
         </p:nvPicPr>
         <p:blipFill>
-          <a:blip r:embed="rId2">
+          <a:blip r:embed="rId3">
             <a:extLst>
               <a:ext uri="{28A0092B-C50C-407E-A947-70E740481C1C}">
                 <a14:useLocalDpi xmlns:a14="http://schemas.microsoft.com/office/drawing/2010/main" val="0"/>
@@ -4231,8 +4098,8 @@
         </p:blipFill>
         <p:spPr bwMode="auto">
           <a:xfrm>
-            <a:off x="162425" y="2430711"/>
-            <a:ext cx="6393882" cy="2573536"/>
+            <a:off x="2711810" y="643467"/>
+            <a:ext cx="6768380" cy="4873234"/>
           </a:xfrm>
           <a:prstGeom prst="rect">
             <a:avLst/>
@@ -4249,110 +4116,402 @@
           </a:extLst>
         </p:spPr>
       </p:pic>
-      <p:sp>
-        <p:nvSpPr>
-          <p:cNvPr id="3" name="Content Placeholder 2">
-            <a:extLst>
-              <a:ext uri="{FF2B5EF4-FFF2-40B4-BE49-F238E27FC236}">
-                <a16:creationId xmlns:a16="http://schemas.microsoft.com/office/drawing/2014/main" id="{9773CC1C-8901-ED9B-2435-B5C47420BBDE}"/>
-              </a:ext>
-            </a:extLst>
-          </p:cNvPr>
-          <p:cNvSpPr>
-            <a:spLocks noGrp="1"/>
-          </p:cNvSpPr>
-          <p:nvPr>
-            <p:ph idx="1"/>
-          </p:nvPr>
-        </p:nvSpPr>
-        <p:spPr>
-          <a:xfrm>
-            <a:off x="6556307" y="1853754"/>
-            <a:ext cx="5473268" cy="4199727"/>
-          </a:xfrm>
-        </p:spPr>
-        <p:txBody>
-          <a:bodyPr>
-            <a:normAutofit fontScale="92500"/>
-          </a:bodyPr>
-          <a:lstStyle/>
-          <a:p>
-            <a:pPr>
-              <a:lnSpc>
-                <a:spcPct val="110000"/>
-              </a:lnSpc>
-            </a:pPr>
-            <a:r>
-              <a:rPr lang="en-US" sz="2400"/>
-              <a:t>The final model is a weighted sum of all predictions. </a:t>
-            </a:r>
-          </a:p>
-          <a:p>
-            <a:pPr>
-              <a:lnSpc>
-                <a:spcPct val="110000"/>
-              </a:lnSpc>
-            </a:pPr>
-            <a:r>
-              <a:rPr lang="en-US" sz="2400"/>
-              <a:t>The details of the weighting and summing aren’t something we need to examine much. </a:t>
-            </a:r>
-          </a:p>
-          <a:p>
-            <a:pPr>
-              <a:lnSpc>
-                <a:spcPct val="110000"/>
-              </a:lnSpc>
-            </a:pPr>
-            <a:r>
-              <a:rPr lang="en-US" sz="2400"/>
-              <a:t>The weight for the weighting is based on the amount of error. </a:t>
-            </a:r>
-          </a:p>
-          <a:p>
-            <a:pPr lvl="1">
-              <a:lnSpc>
-                <a:spcPct val="110000"/>
-              </a:lnSpc>
-            </a:pPr>
-            <a:r>
-              <a:rPr lang="en-US" sz="2400"/>
-              <a:t>Similar in spirit to MSE – larger errors are penalized more. </a:t>
-            </a:r>
-          </a:p>
-          <a:p>
-            <a:pPr lvl="1">
-              <a:lnSpc>
-                <a:spcPct val="110000"/>
-              </a:lnSpc>
-            </a:pPr>
-            <a:r>
-              <a:rPr lang="en-US" sz="2400"/>
-              <a:t>Large errors can even be </a:t>
-            </a:r>
-            <a:r>
-              <a:rPr lang="en-US" sz="2400" b="1"/>
-              <a:t>discounted</a:t>
-            </a:r>
-            <a:r>
-              <a:rPr lang="en-US" sz="2400"/>
-              <a:t> with negative weights. </a:t>
-            </a:r>
-          </a:p>
-          <a:p>
-            <a:pPr>
-              <a:lnSpc>
-                <a:spcPct val="110000"/>
-              </a:lnSpc>
-            </a:pPr>
-            <a:endParaRPr lang="en-US" sz="2400"/>
-          </a:p>
-        </p:txBody>
-      </p:sp>
     </p:spTree>
     <p:extLst>
       <p:ext uri="{BB962C8B-B14F-4D97-AF65-F5344CB8AC3E}">
-        <p14:creationId xmlns:p14="http://schemas.microsoft.com/office/powerpoint/2010/main" val="2498002620"/>
+        <p14:creationId xmlns:p14="http://schemas.microsoft.com/office/powerpoint/2010/main" val="3023026732"/>
+      </p:ext>
+    </p:extLst>
+  </p:cSld>
+  <p:clrMapOvr>
+    <a:masterClrMapping/>
+  </p:clrMapOvr>
+</p:sld>
+</file>
+
+<file path=ppt/slides/slide11.xml><?xml version="1.0" encoding="utf-8"?>
+<p:sld xmlns:a="http://schemas.openxmlformats.org/drawingml/2006/main" xmlns:r="http://schemas.openxmlformats.org/officeDocument/2006/relationships" xmlns:p="http://schemas.openxmlformats.org/presentationml/2006/main">
+  <p:cSld>
+    <p:spTree>
+      <p:nvGrpSpPr>
+        <p:cNvPr id="1" name=""/>
+        <p:cNvGrpSpPr/>
+        <p:nvPr/>
+      </p:nvGrpSpPr>
+      <p:grpSpPr>
+        <a:xfrm>
+          <a:off x="0" y="0"/>
+          <a:ext cx="0" cy="0"/>
+          <a:chOff x="0" y="0"/>
+          <a:chExt cx="0" cy="0"/>
+        </a:xfrm>
+      </p:grpSpPr>
+      <p:sp>
+        <p:nvSpPr>
+          <p:cNvPr id="2" name="Title 1">
+            <a:extLst>
+              <a:ext uri="{FF2B5EF4-FFF2-40B4-BE49-F238E27FC236}">
+                <a16:creationId xmlns:a16="http://schemas.microsoft.com/office/drawing/2014/main" id="{D0C40941-8A71-7147-AF6E-BB94DDC1246B}"/>
+              </a:ext>
+            </a:extLst>
+          </p:cNvPr>
+          <p:cNvSpPr>
+            <a:spLocks noGrp="1"/>
+          </p:cNvSpPr>
+          <p:nvPr>
+            <p:ph type="title"/>
+          </p:nvPr>
+        </p:nvSpPr>
+        <p:spPr/>
+        <p:txBody>
+          <a:bodyPr/>
+          <a:lstStyle/>
+          <a:p>
+            <a:r>
+              <a:rPr lang="en-US" dirty="0"/>
+              <a:t>Boosting Ensembles</a:t>
+            </a:r>
+          </a:p>
+        </p:txBody>
+      </p:sp>
+      <p:sp>
+        <p:nvSpPr>
+          <p:cNvPr id="3" name="Content Placeholder 2">
+            <a:extLst>
+              <a:ext uri="{FF2B5EF4-FFF2-40B4-BE49-F238E27FC236}">
+                <a16:creationId xmlns:a16="http://schemas.microsoft.com/office/drawing/2014/main" id="{C2F710A9-B2C3-554A-B61D-C9190873FB50}"/>
+              </a:ext>
+            </a:extLst>
+          </p:cNvPr>
+          <p:cNvSpPr>
+            <a:spLocks noGrp="1"/>
+          </p:cNvSpPr>
+          <p:nvPr>
+            <p:ph idx="1"/>
+          </p:nvPr>
+        </p:nvSpPr>
+        <p:spPr/>
+        <p:txBody>
+          <a:bodyPr/>
+          <a:lstStyle/>
+          <a:p>
+            <a:r>
+              <a:rPr lang="en-US" dirty="0"/>
+              <a:t>Boosting algorithms take a combination of weak learners and combine them. </a:t>
+            </a:r>
+          </a:p>
+          <a:p>
+            <a:pPr lvl="1"/>
+            <a:r>
+              <a:rPr lang="en-US" dirty="0"/>
+              <a:t>Result is a strong learner. </a:t>
+            </a:r>
+          </a:p>
+          <a:p>
+            <a:r>
+              <a:rPr lang="en-US" dirty="0"/>
+              <a:t>Each step (model) of a boosted algorithm makes the current predictions marginally better. </a:t>
+            </a:r>
+          </a:p>
+          <a:p>
+            <a:pPr lvl="1"/>
+            <a:r>
+              <a:rPr lang="en-US" dirty="0"/>
+              <a:t>Process is sequential – one comes after another. </a:t>
+            </a:r>
+          </a:p>
+          <a:p>
+            <a:r>
+              <a:rPr lang="en-US" dirty="0"/>
+              <a:t>Some of the currently most accurate non-neural network models are ensembles. </a:t>
+            </a:r>
+          </a:p>
+          <a:p>
+            <a:pPr lvl="1"/>
+            <a:r>
+              <a:rPr lang="en-US" dirty="0" err="1"/>
+              <a:t>Xgboost</a:t>
+            </a:r>
+            <a:r>
+              <a:rPr lang="en-US" dirty="0"/>
+              <a:t>, </a:t>
+            </a:r>
+            <a:r>
+              <a:rPr lang="en-US" dirty="0" err="1"/>
+              <a:t>lightgbm</a:t>
+            </a:r>
+            <a:r>
+              <a:rPr lang="en-US" dirty="0"/>
+              <a:t>, </a:t>
+            </a:r>
+            <a:r>
+              <a:rPr lang="en-US" dirty="0" err="1"/>
+              <a:t>etc</a:t>
+            </a:r>
+            <a:r>
+              <a:rPr lang="en-US" dirty="0"/>
+              <a:t>…</a:t>
+            </a:r>
+          </a:p>
+        </p:txBody>
+      </p:sp>
+    </p:spTree>
+    <p:extLst>
+      <p:ext uri="{BB962C8B-B14F-4D97-AF65-F5344CB8AC3E}">
+        <p14:creationId xmlns:p14="http://schemas.microsoft.com/office/powerpoint/2010/main" val="401829261"/>
+      </p:ext>
+    </p:extLst>
+  </p:cSld>
+  <p:clrMapOvr>
+    <a:masterClrMapping/>
+  </p:clrMapOvr>
+</p:sld>
+</file>
+
+<file path=ppt/slides/slide12.xml><?xml version="1.0" encoding="utf-8"?>
+<p:sld xmlns:a="http://schemas.openxmlformats.org/drawingml/2006/main" xmlns:r="http://schemas.openxmlformats.org/officeDocument/2006/relationships" xmlns:p="http://schemas.openxmlformats.org/presentationml/2006/main">
+  <p:cSld>
+    <p:spTree>
+      <p:nvGrpSpPr>
+        <p:cNvPr id="1" name=""/>
+        <p:cNvGrpSpPr/>
+        <p:nvPr/>
+      </p:nvGrpSpPr>
+      <p:grpSpPr>
+        <a:xfrm>
+          <a:off x="0" y="0"/>
+          <a:ext cx="0" cy="0"/>
+          <a:chOff x="0" y="0"/>
+          <a:chExt cx="0" cy="0"/>
+        </a:xfrm>
+      </p:grpSpPr>
+      <p:sp>
+        <p:nvSpPr>
+          <p:cNvPr id="2" name="Title 1">
+            <a:extLst>
+              <a:ext uri="{FF2B5EF4-FFF2-40B4-BE49-F238E27FC236}">
+                <a16:creationId xmlns:a16="http://schemas.microsoft.com/office/drawing/2014/main" id="{9C433BE5-B67E-9341-8765-70A34033B7E7}"/>
+              </a:ext>
+            </a:extLst>
+          </p:cNvPr>
+          <p:cNvSpPr>
+            <a:spLocks noGrp="1"/>
+          </p:cNvSpPr>
+          <p:nvPr>
+            <p:ph type="title"/>
+          </p:nvPr>
+        </p:nvSpPr>
+        <p:spPr/>
+        <p:txBody>
+          <a:bodyPr/>
+          <a:lstStyle/>
+          <a:p>
+            <a:r>
+              <a:rPr lang="en-US" dirty="0"/>
+              <a:t>Boosting Implementation</a:t>
+            </a:r>
+          </a:p>
+        </p:txBody>
+      </p:sp>
+      <p:sp>
+        <p:nvSpPr>
+          <p:cNvPr id="3" name="Content Placeholder 2">
+            <a:extLst>
+              <a:ext uri="{FF2B5EF4-FFF2-40B4-BE49-F238E27FC236}">
+                <a16:creationId xmlns:a16="http://schemas.microsoft.com/office/drawing/2014/main" id="{AADBB7E1-E00E-7148-AAF5-DC6B22E9FFFA}"/>
+              </a:ext>
+            </a:extLst>
+          </p:cNvPr>
+          <p:cNvSpPr>
+            <a:spLocks noGrp="1"/>
+          </p:cNvSpPr>
+          <p:nvPr>
+            <p:ph idx="1"/>
+          </p:nvPr>
+        </p:nvSpPr>
+        <p:spPr>
+          <a:xfrm>
+            <a:off x="1451579" y="2015732"/>
+            <a:ext cx="9603275" cy="4150892"/>
+          </a:xfrm>
+        </p:spPr>
+        <p:txBody>
+          <a:bodyPr/>
+          <a:lstStyle/>
+          <a:p>
+            <a:r>
+              <a:rPr lang="en-US" dirty="0"/>
+              <a:t>Like bagging, boosting can theoretically be used with many base estimators. </a:t>
+            </a:r>
+          </a:p>
+          <a:p>
+            <a:pPr lvl="1"/>
+            <a:r>
+              <a:rPr lang="en-US" dirty="0"/>
+              <a:t>Need to be fast, and not overfit. </a:t>
+            </a:r>
+          </a:p>
+          <a:p>
+            <a:pPr lvl="1"/>
+            <a:r>
+              <a:rPr lang="en-US" dirty="0"/>
+              <a:t>Trees are by far the most common estimators, and can do classification and regression. </a:t>
+            </a:r>
+          </a:p>
+          <a:p>
+            <a:r>
+              <a:rPr lang="en-US" dirty="0"/>
+              <a:t>Boosting generally reduces BOTH bias and variance. </a:t>
+            </a:r>
+          </a:p>
+          <a:p>
+            <a:pPr lvl="1"/>
+            <a:r>
+              <a:rPr lang="en-US" dirty="0"/>
+              <a:t>i.e. it is better fitted to data, but less likely to be overfitted. </a:t>
+            </a:r>
+          </a:p>
+          <a:p>
+            <a:pPr lvl="1"/>
+            <a:r>
+              <a:rPr lang="en-US" dirty="0"/>
+              <a:t>The base models won’t overfit, and the algorithms try to focus only on errors. </a:t>
+            </a:r>
+          </a:p>
+          <a:p>
+            <a:r>
+              <a:rPr lang="en-US" dirty="0"/>
+              <a:t>Boosting has a small risk of reducing performance, mostly on very noisy datasets. </a:t>
+            </a:r>
+          </a:p>
+          <a:p>
+            <a:pPr lvl="1"/>
+            <a:r>
+              <a:rPr lang="en-US" dirty="0"/>
+              <a:t>Bagging rarely hurts performance, but tends to have less benefit than boosting. </a:t>
+            </a:r>
+          </a:p>
+          <a:p>
+            <a:pPr lvl="1"/>
+            <a:r>
+              <a:rPr lang="en-US" dirty="0"/>
+              <a:t>(Roughly) noise can cause the model to try to correct the error of the “errors” (noise). </a:t>
+            </a:r>
+          </a:p>
+        </p:txBody>
+      </p:sp>
+    </p:spTree>
+    <p:extLst>
+      <p:ext uri="{BB962C8B-B14F-4D97-AF65-F5344CB8AC3E}">
+        <p14:creationId xmlns:p14="http://schemas.microsoft.com/office/powerpoint/2010/main" val="1832023836"/>
+      </p:ext>
+    </p:extLst>
+  </p:cSld>
+  <p:clrMapOvr>
+    <a:masterClrMapping/>
+  </p:clrMapOvr>
+</p:sld>
+</file>
+
+<file path=ppt/slides/slide13.xml><?xml version="1.0" encoding="utf-8"?>
+<p:sld xmlns:a="http://schemas.openxmlformats.org/drawingml/2006/main" xmlns:r="http://schemas.openxmlformats.org/officeDocument/2006/relationships" xmlns:p="http://schemas.openxmlformats.org/presentationml/2006/main">
+  <p:cSld>
+    <p:spTree>
+      <p:nvGrpSpPr>
+        <p:cNvPr id="1" name=""/>
+        <p:cNvGrpSpPr/>
+        <p:nvPr/>
+      </p:nvGrpSpPr>
+      <p:grpSpPr>
+        <a:xfrm>
+          <a:off x="0" y="0"/>
+          <a:ext cx="0" cy="0"/>
+          <a:chOff x="0" y="0"/>
+          <a:chExt cx="0" cy="0"/>
+        </a:xfrm>
+      </p:grpSpPr>
+      <p:sp>
+        <p:nvSpPr>
+          <p:cNvPr id="2" name="Title 1">
+            <a:extLst>
+              <a:ext uri="{FF2B5EF4-FFF2-40B4-BE49-F238E27FC236}">
+                <a16:creationId xmlns:a16="http://schemas.microsoft.com/office/drawing/2014/main" id="{772030B4-8CE8-29D6-43D6-93FEF45D2BC4}"/>
+              </a:ext>
+            </a:extLst>
+          </p:cNvPr>
+          <p:cNvSpPr>
+            <a:spLocks noGrp="1"/>
+          </p:cNvSpPr>
+          <p:nvPr>
+            <p:ph type="title"/>
+          </p:nvPr>
+        </p:nvSpPr>
+        <p:spPr/>
+        <p:txBody>
+          <a:bodyPr/>
+          <a:lstStyle/>
+          <a:p>
+            <a:r>
+              <a:rPr lang="en-US" dirty="0"/>
+              <a:t>Boosting Models</a:t>
+            </a:r>
+          </a:p>
+        </p:txBody>
+      </p:sp>
+      <p:sp>
+        <p:nvSpPr>
+          <p:cNvPr id="3" name="Content Placeholder 2">
+            <a:extLst>
+              <a:ext uri="{FF2B5EF4-FFF2-40B4-BE49-F238E27FC236}">
+                <a16:creationId xmlns:a16="http://schemas.microsoft.com/office/drawing/2014/main" id="{026FA893-41CA-0C07-C1FF-D85DBBFE82F9}"/>
+              </a:ext>
+            </a:extLst>
+          </p:cNvPr>
+          <p:cNvSpPr>
+            <a:spLocks noGrp="1"/>
+          </p:cNvSpPr>
+          <p:nvPr>
+            <p:ph idx="1"/>
+          </p:nvPr>
+        </p:nvSpPr>
+        <p:spPr/>
+        <p:txBody>
+          <a:bodyPr/>
+          <a:lstStyle/>
+          <a:p>
+            <a:r>
+              <a:rPr lang="en-US" dirty="0"/>
+              <a:t>There are many boosted models in existence, and common use. </a:t>
+            </a:r>
+          </a:p>
+          <a:p>
+            <a:r>
+              <a:rPr lang="en-US" dirty="0" err="1"/>
+              <a:t>Adaboost</a:t>
+            </a:r>
+            <a:r>
+              <a:rPr lang="en-US" dirty="0"/>
+              <a:t>. </a:t>
+            </a:r>
+          </a:p>
+          <a:p>
+            <a:r>
+              <a:rPr lang="en-US" dirty="0"/>
+              <a:t>Gradient boosting. </a:t>
+            </a:r>
+          </a:p>
+          <a:p>
+            <a:r>
+              <a:rPr lang="en-US" dirty="0"/>
+              <a:t>Extreme!!!!!! Gradient boosting. </a:t>
+            </a:r>
+          </a:p>
+        </p:txBody>
+      </p:sp>
+    </p:spTree>
+    <p:extLst>
+      <p:ext uri="{BB962C8B-B14F-4D97-AF65-F5344CB8AC3E}">
+        <p14:creationId xmlns:p14="http://schemas.microsoft.com/office/powerpoint/2010/main" val="218823155"/>
       </p:ext>
     </p:extLst>
   </p:cSld>
@@ -4384,6 +4543,791 @@
           <p:cNvPr id="2" name="Title 1">
             <a:extLst>
               <a:ext uri="{FF2B5EF4-FFF2-40B4-BE49-F238E27FC236}">
+                <a16:creationId xmlns:a16="http://schemas.microsoft.com/office/drawing/2014/main" id="{AE9FA29D-E980-1147-A21A-3CDAA4C66116}"/>
+              </a:ext>
+            </a:extLst>
+          </p:cNvPr>
+          <p:cNvSpPr>
+            <a:spLocks noGrp="1"/>
+          </p:cNvSpPr>
+          <p:nvPr>
+            <p:ph type="title"/>
+          </p:nvPr>
+        </p:nvSpPr>
+        <p:spPr/>
+        <p:txBody>
+          <a:bodyPr/>
+          <a:lstStyle/>
+          <a:p>
+            <a:r>
+              <a:rPr lang="en-US" dirty="0"/>
+              <a:t>AdaBoost</a:t>
+            </a:r>
+          </a:p>
+        </p:txBody>
+      </p:sp>
+      <p:sp>
+        <p:nvSpPr>
+          <p:cNvPr id="3" name="Content Placeholder 2">
+            <a:extLst>
+              <a:ext uri="{FF2B5EF4-FFF2-40B4-BE49-F238E27FC236}">
+                <a16:creationId xmlns:a16="http://schemas.microsoft.com/office/drawing/2014/main" id="{A99A4781-2BF1-1A4D-8966-C2ED2145F06E}"/>
+              </a:ext>
+            </a:extLst>
+          </p:cNvPr>
+          <p:cNvSpPr>
+            <a:spLocks noGrp="1"/>
+          </p:cNvSpPr>
+          <p:nvPr>
+            <p:ph idx="1"/>
+          </p:nvPr>
+        </p:nvSpPr>
+        <p:spPr>
+          <a:xfrm>
+            <a:off x="1451579" y="2015732"/>
+            <a:ext cx="9603275" cy="4150892"/>
+          </a:xfrm>
+        </p:spPr>
+        <p:txBody>
+          <a:bodyPr/>
+          <a:lstStyle/>
+          <a:p>
+            <a:r>
+              <a:rPr lang="en-US" dirty="0"/>
+              <a:t>One ensemble algorithm is </a:t>
+            </a:r>
+            <a:r>
+              <a:rPr lang="en-US" dirty="0" err="1"/>
+              <a:t>Adaboost</a:t>
+            </a:r>
+            <a:r>
+              <a:rPr lang="en-US" dirty="0"/>
+              <a:t> – adaptive boosting. </a:t>
+            </a:r>
+          </a:p>
+          <a:p>
+            <a:r>
+              <a:rPr lang="en-US" dirty="0" err="1"/>
+              <a:t>Adaboost</a:t>
+            </a:r>
+            <a:r>
+              <a:rPr lang="en-US" dirty="0"/>
+              <a:t> works by updating sets of weights as data goes through each model:</a:t>
+            </a:r>
+          </a:p>
+          <a:p>
+            <a:pPr lvl="1"/>
+            <a:r>
+              <a:rPr lang="en-US" dirty="0"/>
+              <a:t>A weighted sample of data goes through model N.</a:t>
+            </a:r>
+          </a:p>
+          <a:p>
+            <a:pPr lvl="1"/>
+            <a:r>
+              <a:rPr lang="en-US" dirty="0"/>
+              <a:t>Model N gets a weight value increased if it is accurate, decreased if inaccurate. </a:t>
+            </a:r>
+          </a:p>
+          <a:p>
+            <a:pPr lvl="1"/>
+            <a:r>
+              <a:rPr lang="en-US" dirty="0"/>
+              <a:t>Data that is correctly predicted gets a weight decreased, incorrect gets an increase. </a:t>
+            </a:r>
+          </a:p>
+          <a:p>
+            <a:pPr lvl="1"/>
+            <a:r>
+              <a:rPr lang="en-US" dirty="0"/>
+              <a:t>Data with higher weights gets sampled more frequently. </a:t>
+            </a:r>
+          </a:p>
+          <a:p>
+            <a:pPr lvl="1"/>
+            <a:r>
+              <a:rPr lang="en-US" dirty="0"/>
+              <a:t>Weights of classifiers combine for final prediction – better accuracy, more influence. </a:t>
+            </a:r>
+          </a:p>
+          <a:p>
+            <a:r>
+              <a:rPr lang="en-US" dirty="0"/>
+              <a:t>Result – Easy to predict data is dealt with quickly, harder data goes through more models; the most accurate models are more important in final prediction. </a:t>
+            </a:r>
+          </a:p>
+        </p:txBody>
+      </p:sp>
+    </p:spTree>
+    <p:extLst>
+      <p:ext uri="{BB962C8B-B14F-4D97-AF65-F5344CB8AC3E}">
+        <p14:creationId xmlns:p14="http://schemas.microsoft.com/office/powerpoint/2010/main" val="2078531147"/>
+      </p:ext>
+    </p:extLst>
+  </p:cSld>
+  <p:clrMapOvr>
+    <a:masterClrMapping/>
+  </p:clrMapOvr>
+</p:sld>
+</file>
+
+<file path=ppt/slides/slide15.xml><?xml version="1.0" encoding="utf-8"?>
+<p:sld xmlns:a="http://schemas.openxmlformats.org/drawingml/2006/main" xmlns:r="http://schemas.openxmlformats.org/officeDocument/2006/relationships" xmlns:p="http://schemas.openxmlformats.org/presentationml/2006/main">
+  <p:cSld>
+    <p:spTree>
+      <p:nvGrpSpPr>
+        <p:cNvPr id="1" name=""/>
+        <p:cNvGrpSpPr/>
+        <p:nvPr/>
+      </p:nvGrpSpPr>
+      <p:grpSpPr>
+        <a:xfrm>
+          <a:off x="0" y="0"/>
+          <a:ext cx="0" cy="0"/>
+          <a:chOff x="0" y="0"/>
+          <a:chExt cx="0" cy="0"/>
+        </a:xfrm>
+      </p:grpSpPr>
+      <p:sp>
+        <p:nvSpPr>
+          <p:cNvPr id="2" name="Title 1">
+            <a:extLst>
+              <a:ext uri="{FF2B5EF4-FFF2-40B4-BE49-F238E27FC236}">
+                <a16:creationId xmlns:a16="http://schemas.microsoft.com/office/drawing/2014/main" id="{B8171FD4-14C8-DD48-A1BD-31311E0FE48B}"/>
+              </a:ext>
+            </a:extLst>
+          </p:cNvPr>
+          <p:cNvSpPr>
+            <a:spLocks noGrp="1"/>
+          </p:cNvSpPr>
+          <p:nvPr>
+            <p:ph type="title"/>
+          </p:nvPr>
+        </p:nvSpPr>
+        <p:spPr/>
+        <p:txBody>
+          <a:bodyPr/>
+          <a:lstStyle/>
+          <a:p>
+            <a:endParaRPr lang="en-US"/>
+          </a:p>
+        </p:txBody>
+      </p:sp>
+      <p:sp>
+        <p:nvSpPr>
+          <p:cNvPr id="3" name="Content Placeholder 2">
+            <a:extLst>
+              <a:ext uri="{FF2B5EF4-FFF2-40B4-BE49-F238E27FC236}">
+                <a16:creationId xmlns:a16="http://schemas.microsoft.com/office/drawing/2014/main" id="{6C6253D1-12B5-F547-BEC0-6AE3863E9FE5}"/>
+              </a:ext>
+            </a:extLst>
+          </p:cNvPr>
+          <p:cNvSpPr>
+            <a:spLocks noGrp="1"/>
+          </p:cNvSpPr>
+          <p:nvPr>
+            <p:ph idx="1"/>
+          </p:nvPr>
+        </p:nvSpPr>
+        <p:spPr/>
+        <p:txBody>
+          <a:bodyPr/>
+          <a:lstStyle/>
+          <a:p>
+            <a:endParaRPr lang="en-US"/>
+          </a:p>
+        </p:txBody>
+      </p:sp>
+      <p:pic>
+        <p:nvPicPr>
+          <p:cNvPr id="3076" name="Picture 4" descr="Understanding AdaBoost for Decision Tree | by Valentina Alto | Towards Data  Science">
+            <a:extLst>
+              <a:ext uri="{FF2B5EF4-FFF2-40B4-BE49-F238E27FC236}">
+                <a16:creationId xmlns:a16="http://schemas.microsoft.com/office/drawing/2014/main" id="{E2A779D4-5A36-BC47-831A-64A4C5E6695B}"/>
+              </a:ext>
+            </a:extLst>
+          </p:cNvPr>
+          <p:cNvPicPr>
+            <a:picLocks noChangeAspect="1" noChangeArrowheads="1"/>
+          </p:cNvPicPr>
+          <p:nvPr/>
+        </p:nvPicPr>
+        <p:blipFill>
+          <a:blip r:embed="rId2">
+            <a:extLst>
+              <a:ext uri="{28A0092B-C50C-407E-A947-70E740481C1C}">
+                <a14:useLocalDpi xmlns:a14="http://schemas.microsoft.com/office/drawing/2010/main" val="0"/>
+              </a:ext>
+            </a:extLst>
+          </a:blip>
+          <a:srcRect/>
+          <a:stretch>
+            <a:fillRect/>
+          </a:stretch>
+        </p:blipFill>
+        <p:spPr bwMode="auto">
+          <a:xfrm>
+            <a:off x="-27083" y="986971"/>
+            <a:ext cx="12191573" cy="4862286"/>
+          </a:xfrm>
+          <a:prstGeom prst="rect">
+            <a:avLst/>
+          </a:prstGeom>
+          <a:noFill/>
+          <a:extLst>
+            <a:ext uri="{909E8E84-426E-40DD-AFC4-6F175D3DCCD1}">
+              <a14:hiddenFill xmlns:a14="http://schemas.microsoft.com/office/drawing/2010/main">
+                <a:solidFill>
+                  <a:srgbClr val="FFFFFF"/>
+                </a:solidFill>
+              </a14:hiddenFill>
+            </a:ext>
+          </a:extLst>
+        </p:spPr>
+      </p:pic>
+    </p:spTree>
+    <p:extLst>
+      <p:ext uri="{BB962C8B-B14F-4D97-AF65-F5344CB8AC3E}">
+        <p14:creationId xmlns:p14="http://schemas.microsoft.com/office/powerpoint/2010/main" val="81292106"/>
+      </p:ext>
+    </p:extLst>
+  </p:cSld>
+  <p:clrMapOvr>
+    <a:masterClrMapping/>
+  </p:clrMapOvr>
+</p:sld>
+</file>
+
+<file path=ppt/slides/slide16.xml><?xml version="1.0" encoding="utf-8"?>
+<p:sld xmlns:a="http://schemas.openxmlformats.org/drawingml/2006/main" xmlns:r="http://schemas.openxmlformats.org/officeDocument/2006/relationships" xmlns:p="http://schemas.openxmlformats.org/presentationml/2006/main">
+  <p:cSld>
+    <p:spTree>
+      <p:nvGrpSpPr>
+        <p:cNvPr id="1" name=""/>
+        <p:cNvGrpSpPr/>
+        <p:nvPr/>
+      </p:nvGrpSpPr>
+      <p:grpSpPr>
+        <a:xfrm>
+          <a:off x="0" y="0"/>
+          <a:ext cx="0" cy="0"/>
+          <a:chOff x="0" y="0"/>
+          <a:chExt cx="0" cy="0"/>
+        </a:xfrm>
+      </p:grpSpPr>
+      <p:sp>
+        <p:nvSpPr>
+          <p:cNvPr id="2" name="Title 1">
+            <a:extLst>
+              <a:ext uri="{FF2B5EF4-FFF2-40B4-BE49-F238E27FC236}">
+                <a16:creationId xmlns:a16="http://schemas.microsoft.com/office/drawing/2014/main" id="{89DA93ED-7620-0443-8E27-2A0EFD858533}"/>
+              </a:ext>
+            </a:extLst>
+          </p:cNvPr>
+          <p:cNvSpPr>
+            <a:spLocks noGrp="1"/>
+          </p:cNvSpPr>
+          <p:nvPr>
+            <p:ph type="title"/>
+          </p:nvPr>
+        </p:nvSpPr>
+        <p:spPr/>
+        <p:txBody>
+          <a:bodyPr/>
+          <a:lstStyle/>
+          <a:p>
+            <a:endParaRPr lang="en-US"/>
+          </a:p>
+        </p:txBody>
+      </p:sp>
+      <p:sp>
+        <p:nvSpPr>
+          <p:cNvPr id="3" name="Content Placeholder 2">
+            <a:extLst>
+              <a:ext uri="{FF2B5EF4-FFF2-40B4-BE49-F238E27FC236}">
+                <a16:creationId xmlns:a16="http://schemas.microsoft.com/office/drawing/2014/main" id="{7A1B4181-686D-C447-8164-9A1200E4ABEA}"/>
+              </a:ext>
+            </a:extLst>
+          </p:cNvPr>
+          <p:cNvSpPr>
+            <a:spLocks noGrp="1"/>
+          </p:cNvSpPr>
+          <p:nvPr>
+            <p:ph idx="1"/>
+          </p:nvPr>
+        </p:nvSpPr>
+        <p:spPr/>
+        <p:txBody>
+          <a:bodyPr/>
+          <a:lstStyle/>
+          <a:p>
+            <a:endParaRPr lang="en-US"/>
+          </a:p>
+        </p:txBody>
+      </p:sp>
+      <p:pic>
+        <p:nvPicPr>
+          <p:cNvPr id="8194" name="Picture 2" descr="Adaboost | Python">
+            <a:extLst>
+              <a:ext uri="{FF2B5EF4-FFF2-40B4-BE49-F238E27FC236}">
+                <a16:creationId xmlns:a16="http://schemas.microsoft.com/office/drawing/2014/main" id="{B1767790-8EEE-7547-A0F2-272FA036D8B2}"/>
+              </a:ext>
+            </a:extLst>
+          </p:cNvPr>
+          <p:cNvPicPr>
+            <a:picLocks noChangeAspect="1" noChangeArrowheads="1"/>
+          </p:cNvPicPr>
+          <p:nvPr/>
+        </p:nvPicPr>
+        <p:blipFill>
+          <a:blip r:embed="rId2">
+            <a:extLst>
+              <a:ext uri="{28A0092B-C50C-407E-A947-70E740481C1C}">
+                <a14:useLocalDpi xmlns:a14="http://schemas.microsoft.com/office/drawing/2010/main" val="0"/>
+              </a:ext>
+            </a:extLst>
+          </a:blip>
+          <a:srcRect/>
+          <a:stretch>
+            <a:fillRect/>
+          </a:stretch>
+        </p:blipFill>
+        <p:spPr bwMode="auto">
+          <a:xfrm>
+            <a:off x="0" y="0"/>
+            <a:ext cx="12192000" cy="6858000"/>
+          </a:xfrm>
+          <a:prstGeom prst="rect">
+            <a:avLst/>
+          </a:prstGeom>
+          <a:noFill/>
+          <a:extLst>
+            <a:ext uri="{909E8E84-426E-40DD-AFC4-6F175D3DCCD1}">
+              <a14:hiddenFill xmlns:a14="http://schemas.microsoft.com/office/drawing/2010/main">
+                <a:solidFill>
+                  <a:srgbClr val="FFFFFF"/>
+                </a:solidFill>
+              </a14:hiddenFill>
+            </a:ext>
+          </a:extLst>
+        </p:spPr>
+      </p:pic>
+    </p:spTree>
+    <p:extLst>
+      <p:ext uri="{BB962C8B-B14F-4D97-AF65-F5344CB8AC3E}">
+        <p14:creationId xmlns:p14="http://schemas.microsoft.com/office/powerpoint/2010/main" val="2536215090"/>
+      </p:ext>
+    </p:extLst>
+  </p:cSld>
+  <p:clrMapOvr>
+    <a:masterClrMapping/>
+  </p:clrMapOvr>
+</p:sld>
+</file>
+
+<file path=ppt/slides/slide17.xml><?xml version="1.0" encoding="utf-8"?>
+<p:sld xmlns:a="http://schemas.openxmlformats.org/drawingml/2006/main" xmlns:r="http://schemas.openxmlformats.org/officeDocument/2006/relationships" xmlns:p="http://schemas.openxmlformats.org/presentationml/2006/main">
+  <p:cSld>
+    <p:bg>
+      <p:bgPr>
+        <a:gradFill rotWithShape="1">
+          <a:gsLst>
+            <a:gs pos="0">
+              <a:schemeClr val="bg2">
+                <a:tint val="94000"/>
+                <a:satMod val="80000"/>
+                <a:lumMod val="106000"/>
+              </a:schemeClr>
+            </a:gs>
+            <a:gs pos="100000">
+              <a:schemeClr val="bg2">
+                <a:shade val="80000"/>
+              </a:schemeClr>
+            </a:gs>
+          </a:gsLst>
+          <a:path path="circle">
+            <a:fillToRect l="43000" r="43000" b="100000"/>
+          </a:path>
+        </a:gradFill>
+        <a:effectLst/>
+      </p:bgPr>
+    </p:bg>
+    <p:spTree>
+      <p:nvGrpSpPr>
+        <p:cNvPr id="1" name=""/>
+        <p:cNvGrpSpPr/>
+        <p:nvPr/>
+      </p:nvGrpSpPr>
+      <p:grpSpPr>
+        <a:xfrm>
+          <a:off x="0" y="0"/>
+          <a:ext cx="0" cy="0"/>
+          <a:chOff x="0" y="0"/>
+          <a:chExt cx="0" cy="0"/>
+        </a:xfrm>
+      </p:grpSpPr>
+      <p:sp>
+        <p:nvSpPr>
+          <p:cNvPr id="2" name="Title 1">
+            <a:extLst>
+              <a:ext uri="{FF2B5EF4-FFF2-40B4-BE49-F238E27FC236}">
+                <a16:creationId xmlns:a16="http://schemas.microsoft.com/office/drawing/2014/main" id="{2B8F457F-5915-AE13-1B3A-F6EF5624FB3F}"/>
+              </a:ext>
+            </a:extLst>
+          </p:cNvPr>
+          <p:cNvSpPr>
+            <a:spLocks noGrp="1"/>
+          </p:cNvSpPr>
+          <p:nvPr>
+            <p:ph type="title"/>
+          </p:nvPr>
+        </p:nvSpPr>
+        <p:spPr>
+          <a:xfrm>
+            <a:off x="1451579" y="804519"/>
+            <a:ext cx="9603275" cy="1049235"/>
+          </a:xfrm>
+        </p:spPr>
+        <p:txBody>
+          <a:bodyPr>
+            <a:normAutofit/>
+          </a:bodyPr>
+          <a:lstStyle/>
+          <a:p>
+            <a:r>
+              <a:rPr lang="en-US" dirty="0"/>
+              <a:t>Final </a:t>
+            </a:r>
+            <a:r>
+              <a:rPr lang="en-US" dirty="0" err="1"/>
+              <a:t>Adaboost</a:t>
+            </a:r>
+            <a:r>
+              <a:rPr lang="en-US" dirty="0"/>
+              <a:t> Prediction</a:t>
+            </a:r>
+          </a:p>
+        </p:txBody>
+      </p:sp>
+      <p:pic>
+        <p:nvPicPr>
+          <p:cNvPr id="1026" name="Picture 2">
+            <a:extLst>
+              <a:ext uri="{FF2B5EF4-FFF2-40B4-BE49-F238E27FC236}">
+                <a16:creationId xmlns:a16="http://schemas.microsoft.com/office/drawing/2014/main" id="{4AFCFBBA-9FE3-31C8-1B5C-97FCE85C98C6}"/>
+              </a:ext>
+            </a:extLst>
+          </p:cNvPr>
+          <p:cNvPicPr>
+            <a:picLocks noChangeAspect="1" noChangeArrowheads="1"/>
+          </p:cNvPicPr>
+          <p:nvPr/>
+        </p:nvPicPr>
+        <p:blipFill>
+          <a:blip r:embed="rId2">
+            <a:extLst>
+              <a:ext uri="{28A0092B-C50C-407E-A947-70E740481C1C}">
+                <a14:useLocalDpi xmlns:a14="http://schemas.microsoft.com/office/drawing/2010/main" val="0"/>
+              </a:ext>
+            </a:extLst>
+          </a:blip>
+          <a:stretch>
+            <a:fillRect/>
+          </a:stretch>
+        </p:blipFill>
+        <p:spPr bwMode="auto">
+          <a:xfrm>
+            <a:off x="162425" y="2430711"/>
+            <a:ext cx="6393882" cy="2573536"/>
+          </a:xfrm>
+          <a:prstGeom prst="rect">
+            <a:avLst/>
+          </a:prstGeom>
+          <a:noFill/>
+          <a:extLst>
+            <a:ext uri="{909E8E84-426E-40DD-AFC4-6F175D3DCCD1}">
+              <a14:hiddenFill xmlns:a14="http://schemas.microsoft.com/office/drawing/2010/main">
+                <a:solidFill>
+                  <a:srgbClr val="FFFFFF"/>
+                </a:solidFill>
+              </a14:hiddenFill>
+            </a:ext>
+          </a:extLst>
+        </p:spPr>
+      </p:pic>
+      <p:sp>
+        <p:nvSpPr>
+          <p:cNvPr id="3" name="Content Placeholder 2">
+            <a:extLst>
+              <a:ext uri="{FF2B5EF4-FFF2-40B4-BE49-F238E27FC236}">
+                <a16:creationId xmlns:a16="http://schemas.microsoft.com/office/drawing/2014/main" id="{9773CC1C-8901-ED9B-2435-B5C47420BBDE}"/>
+              </a:ext>
+            </a:extLst>
+          </p:cNvPr>
+          <p:cNvSpPr>
+            <a:spLocks noGrp="1"/>
+          </p:cNvSpPr>
+          <p:nvPr>
+            <p:ph idx="1"/>
+          </p:nvPr>
+        </p:nvSpPr>
+        <p:spPr>
+          <a:xfrm>
+            <a:off x="6556307" y="1853754"/>
+            <a:ext cx="5473268" cy="4199727"/>
+          </a:xfrm>
+        </p:spPr>
+        <p:txBody>
+          <a:bodyPr>
+            <a:normAutofit fontScale="92500"/>
+          </a:bodyPr>
+          <a:lstStyle/>
+          <a:p>
+            <a:pPr>
+              <a:lnSpc>
+                <a:spcPct val="110000"/>
+              </a:lnSpc>
+            </a:pPr>
+            <a:r>
+              <a:rPr lang="en-US" sz="2400"/>
+              <a:t>The final model is a weighted sum of all predictions. </a:t>
+            </a:r>
+          </a:p>
+          <a:p>
+            <a:pPr>
+              <a:lnSpc>
+                <a:spcPct val="110000"/>
+              </a:lnSpc>
+            </a:pPr>
+            <a:r>
+              <a:rPr lang="en-US" sz="2400"/>
+              <a:t>The details of the weighting and summing aren’t something we need to examine much. </a:t>
+            </a:r>
+          </a:p>
+          <a:p>
+            <a:pPr>
+              <a:lnSpc>
+                <a:spcPct val="110000"/>
+              </a:lnSpc>
+            </a:pPr>
+            <a:r>
+              <a:rPr lang="en-US" sz="2400"/>
+              <a:t>The weight for the weighting is based on the amount of error. </a:t>
+            </a:r>
+          </a:p>
+          <a:p>
+            <a:pPr lvl="1">
+              <a:lnSpc>
+                <a:spcPct val="110000"/>
+              </a:lnSpc>
+            </a:pPr>
+            <a:r>
+              <a:rPr lang="en-US" sz="2400"/>
+              <a:t>Similar in spirit to MSE – larger errors are penalized more. </a:t>
+            </a:r>
+          </a:p>
+          <a:p>
+            <a:pPr lvl="1">
+              <a:lnSpc>
+                <a:spcPct val="110000"/>
+              </a:lnSpc>
+            </a:pPr>
+            <a:r>
+              <a:rPr lang="en-US" sz="2400"/>
+              <a:t>Large errors can even be </a:t>
+            </a:r>
+            <a:r>
+              <a:rPr lang="en-US" sz="2400" b="1"/>
+              <a:t>discounted</a:t>
+            </a:r>
+            <a:r>
+              <a:rPr lang="en-US" sz="2400"/>
+              <a:t> with negative weights. </a:t>
+            </a:r>
+          </a:p>
+          <a:p>
+            <a:pPr>
+              <a:lnSpc>
+                <a:spcPct val="110000"/>
+              </a:lnSpc>
+            </a:pPr>
+            <a:endParaRPr lang="en-US" sz="2400"/>
+          </a:p>
+        </p:txBody>
+      </p:sp>
+    </p:spTree>
+    <p:extLst>
+      <p:ext uri="{BB962C8B-B14F-4D97-AF65-F5344CB8AC3E}">
+        <p14:creationId xmlns:p14="http://schemas.microsoft.com/office/powerpoint/2010/main" val="2498002620"/>
+      </p:ext>
+    </p:extLst>
+  </p:cSld>
+  <p:clrMapOvr>
+    <a:masterClrMapping/>
+  </p:clrMapOvr>
+</p:sld>
+</file>
+
+<file path=ppt/slides/slide18.xml><?xml version="1.0" encoding="utf-8"?>
+<p:sld xmlns:a="http://schemas.openxmlformats.org/drawingml/2006/main" xmlns:r="http://schemas.openxmlformats.org/officeDocument/2006/relationships" xmlns:p="http://schemas.openxmlformats.org/presentationml/2006/main">
+  <p:cSld>
+    <p:spTree>
+      <p:nvGrpSpPr>
+        <p:cNvPr id="1" name=""/>
+        <p:cNvGrpSpPr/>
+        <p:nvPr/>
+      </p:nvGrpSpPr>
+      <p:grpSpPr>
+        <a:xfrm>
+          <a:off x="0" y="0"/>
+          <a:ext cx="0" cy="0"/>
+          <a:chOff x="0" y="0"/>
+          <a:chExt cx="0" cy="0"/>
+        </a:xfrm>
+      </p:grpSpPr>
+      <p:sp>
+        <p:nvSpPr>
+          <p:cNvPr id="2" name="Title 1">
+            <a:extLst>
+              <a:ext uri="{FF2B5EF4-FFF2-40B4-BE49-F238E27FC236}">
+                <a16:creationId xmlns:a16="http://schemas.microsoft.com/office/drawing/2014/main" id="{7B3893B4-81A0-0D7D-DC48-46A26D2129BA}"/>
+              </a:ext>
+            </a:extLst>
+          </p:cNvPr>
+          <p:cNvSpPr>
+            <a:spLocks noGrp="1"/>
+          </p:cNvSpPr>
+          <p:nvPr>
+            <p:ph type="title"/>
+          </p:nvPr>
+        </p:nvSpPr>
+        <p:spPr/>
+        <p:txBody>
+          <a:bodyPr/>
+          <a:lstStyle/>
+          <a:p>
+            <a:r>
+              <a:rPr lang="en-US" dirty="0" err="1"/>
+              <a:t>Adaboosted</a:t>
+            </a:r>
+            <a:r>
+              <a:rPr lang="en-US" dirty="0"/>
+              <a:t>….</a:t>
+            </a:r>
+          </a:p>
+        </p:txBody>
+      </p:sp>
+      <p:sp>
+        <p:nvSpPr>
+          <p:cNvPr id="3" name="Content Placeholder 2">
+            <a:extLst>
+              <a:ext uri="{FF2B5EF4-FFF2-40B4-BE49-F238E27FC236}">
+                <a16:creationId xmlns:a16="http://schemas.microsoft.com/office/drawing/2014/main" id="{5AB059B9-2E30-451F-B9D7-33DB392AE4BF}"/>
+              </a:ext>
+            </a:extLst>
+          </p:cNvPr>
+          <p:cNvSpPr>
+            <a:spLocks noGrp="1"/>
+          </p:cNvSpPr>
+          <p:nvPr>
+            <p:ph idx="1"/>
+          </p:nvPr>
+        </p:nvSpPr>
+        <p:spPr>
+          <a:xfrm>
+            <a:off x="1451579" y="2015732"/>
+            <a:ext cx="9603275" cy="4037749"/>
+          </a:xfrm>
+        </p:spPr>
+        <p:txBody>
+          <a:bodyPr/>
+          <a:lstStyle/>
+          <a:p>
+            <a:r>
+              <a:rPr lang="en-US" dirty="0"/>
+              <a:t>The </a:t>
+            </a:r>
+            <a:r>
+              <a:rPr lang="en-US" dirty="0" err="1"/>
+              <a:t>adaboost</a:t>
+            </a:r>
+            <a:r>
+              <a:rPr lang="en-US" dirty="0"/>
+              <a:t> ensemble ends up:</a:t>
+            </a:r>
+          </a:p>
+          <a:p>
+            <a:pPr lvl="1"/>
+            <a:r>
+              <a:rPr lang="en-US" dirty="0"/>
+              <a:t>Creating a series of models, placed in sequence. </a:t>
+            </a:r>
+          </a:p>
+          <a:p>
+            <a:pPr lvl="1"/>
+            <a:r>
+              <a:rPr lang="en-US" dirty="0"/>
+              <a:t>Each model </a:t>
+            </a:r>
+            <a:r>
+              <a:rPr lang="en-US" dirty="0" err="1"/>
+              <a:t>overweights</a:t>
+            </a:r>
+            <a:r>
+              <a:rPr lang="en-US" dirty="0"/>
+              <a:t> whatever was incorrectly predicted before. </a:t>
+            </a:r>
+          </a:p>
+          <a:p>
+            <a:pPr lvl="1"/>
+            <a:r>
+              <a:rPr lang="en-US" dirty="0"/>
+              <a:t>Each model gets a score for how well it does – more accuracy, more weight. </a:t>
+            </a:r>
+          </a:p>
+          <a:p>
+            <a:r>
+              <a:rPr lang="en-US" dirty="0"/>
+              <a:t>Predictions are generated by taking the weighted sum. </a:t>
+            </a:r>
+          </a:p>
+        </p:txBody>
+      </p:sp>
+    </p:spTree>
+    <p:extLst>
+      <p:ext uri="{BB962C8B-B14F-4D97-AF65-F5344CB8AC3E}">
+        <p14:creationId xmlns:p14="http://schemas.microsoft.com/office/powerpoint/2010/main" val="4235007275"/>
+      </p:ext>
+    </p:extLst>
+  </p:cSld>
+  <p:clrMapOvr>
+    <a:masterClrMapping/>
+  </p:clrMapOvr>
+</p:sld>
+</file>
+
+<file path=ppt/slides/slide19.xml><?xml version="1.0" encoding="utf-8"?>
+<p:sld xmlns:a="http://schemas.openxmlformats.org/drawingml/2006/main" xmlns:r="http://schemas.openxmlformats.org/officeDocument/2006/relationships" xmlns:p="http://schemas.openxmlformats.org/presentationml/2006/main">
+  <p:cSld>
+    <p:spTree>
+      <p:nvGrpSpPr>
+        <p:cNvPr id="1" name=""/>
+        <p:cNvGrpSpPr/>
+        <p:nvPr/>
+      </p:nvGrpSpPr>
+      <p:grpSpPr>
+        <a:xfrm>
+          <a:off x="0" y="0"/>
+          <a:ext cx="0" cy="0"/>
+          <a:chOff x="0" y="0"/>
+          <a:chExt cx="0" cy="0"/>
+        </a:xfrm>
+      </p:grpSpPr>
+      <p:sp>
+        <p:nvSpPr>
+          <p:cNvPr id="2" name="Title 1">
+            <a:extLst>
+              <a:ext uri="{FF2B5EF4-FFF2-40B4-BE49-F238E27FC236}">
                 <a16:creationId xmlns:a16="http://schemas.microsoft.com/office/drawing/2014/main" id="{35B12685-B74B-2F40-9D8C-C29BB959C210}"/>
               </a:ext>
             </a:extLst>
@@ -4526,7 +5470,90 @@
 </p:sld>
 </file>
 
-<file path=ppt/slides/slide15.xml><?xml version="1.0" encoding="utf-8"?>
+<file path=ppt/slides/slide2.xml><?xml version="1.0" encoding="utf-8"?>
+<p:sld xmlns:a="http://schemas.openxmlformats.org/drawingml/2006/main" xmlns:r="http://schemas.openxmlformats.org/officeDocument/2006/relationships" xmlns:p="http://schemas.openxmlformats.org/presentationml/2006/main">
+  <p:cSld>
+    <p:spTree>
+      <p:nvGrpSpPr>
+        <p:cNvPr id="1" name=""/>
+        <p:cNvGrpSpPr/>
+        <p:nvPr/>
+      </p:nvGrpSpPr>
+      <p:grpSpPr>
+        <a:xfrm>
+          <a:off x="0" y="0"/>
+          <a:ext cx="0" cy="0"/>
+          <a:chOff x="0" y="0"/>
+          <a:chExt cx="0" cy="0"/>
+        </a:xfrm>
+      </p:grpSpPr>
+      <p:sp>
+        <p:nvSpPr>
+          <p:cNvPr id="2" name="Title 1">
+            <a:extLst>
+              <a:ext uri="{FF2B5EF4-FFF2-40B4-BE49-F238E27FC236}">
+                <a16:creationId xmlns:a16="http://schemas.microsoft.com/office/drawing/2014/main" id="{FF5B9330-C4A5-4D40-9A9D-83E1F133EEB8}"/>
+              </a:ext>
+            </a:extLst>
+          </p:cNvPr>
+          <p:cNvSpPr>
+            <a:spLocks noGrp="1"/>
+          </p:cNvSpPr>
+          <p:nvPr>
+            <p:ph type="ctrTitle"/>
+          </p:nvPr>
+        </p:nvSpPr>
+        <p:spPr/>
+        <p:txBody>
+          <a:bodyPr/>
+          <a:lstStyle/>
+          <a:p>
+            <a:r>
+              <a:rPr lang="en-US" dirty="0"/>
+              <a:t>Boosting Ensembles</a:t>
+            </a:r>
+          </a:p>
+        </p:txBody>
+      </p:sp>
+      <p:sp>
+        <p:nvSpPr>
+          <p:cNvPr id="3" name="Subtitle 2">
+            <a:extLst>
+              <a:ext uri="{FF2B5EF4-FFF2-40B4-BE49-F238E27FC236}">
+                <a16:creationId xmlns:a16="http://schemas.microsoft.com/office/drawing/2014/main" id="{50329856-91F1-BD4F-9F50-9220817C4A40}"/>
+              </a:ext>
+            </a:extLst>
+          </p:cNvPr>
+          <p:cNvSpPr>
+            <a:spLocks noGrp="1"/>
+          </p:cNvSpPr>
+          <p:nvPr>
+            <p:ph type="subTitle" idx="1"/>
+          </p:nvPr>
+        </p:nvSpPr>
+        <p:spPr/>
+        <p:txBody>
+          <a:bodyPr/>
+          <a:lstStyle/>
+          <a:p>
+            <a:endParaRPr lang="en-US"/>
+          </a:p>
+        </p:txBody>
+      </p:sp>
+    </p:spTree>
+    <p:extLst>
+      <p:ext uri="{BB962C8B-B14F-4D97-AF65-F5344CB8AC3E}">
+        <p14:creationId xmlns:p14="http://schemas.microsoft.com/office/powerpoint/2010/main" val="3723217331"/>
+      </p:ext>
+    </p:extLst>
+  </p:cSld>
+  <p:clrMapOvr>
+    <a:masterClrMapping/>
+  </p:clrMapOvr>
+</p:sld>
+</file>
+
+<file path=ppt/slides/slide20.xml><?xml version="1.0" encoding="utf-8"?>
 <p:sld xmlns:a="http://schemas.openxmlformats.org/drawingml/2006/main" xmlns:r="http://schemas.openxmlformats.org/officeDocument/2006/relationships" xmlns:p="http://schemas.openxmlformats.org/presentationml/2006/main">
   <p:cSld>
     <p:spTree>
@@ -4664,7 +5691,7 @@
 </p:sld>
 </file>
 
-<file path=ppt/slides/slide16.xml><?xml version="1.0" encoding="utf-8"?>
+<file path=ppt/slides/slide21.xml><?xml version="1.0" encoding="utf-8"?>
 <p:sld xmlns:a="http://schemas.openxmlformats.org/drawingml/2006/main" xmlns:r="http://schemas.openxmlformats.org/officeDocument/2006/relationships" xmlns:p="http://schemas.openxmlformats.org/presentationml/2006/main">
   <p:cSld>
     <p:spTree>
@@ -4794,7 +5821,7 @@
 </p:sld>
 </file>
 
-<file path=ppt/slides/slide17.xml><?xml version="1.0" encoding="utf-8"?>
+<file path=ppt/slides/slide22.xml><?xml version="1.0" encoding="utf-8"?>
 <p:sld xmlns:a="http://schemas.openxmlformats.org/drawingml/2006/main" xmlns:r="http://schemas.openxmlformats.org/officeDocument/2006/relationships" xmlns:p="http://schemas.openxmlformats.org/presentationml/2006/main">
   <p:cSld>
     <p:spTree>
@@ -5206,7 +6233,7 @@
 </p:sld>
 </file>
 
-<file path=ppt/slides/slide18.xml><?xml version="1.0" encoding="utf-8"?>
+<file path=ppt/slides/slide23.xml><?xml version="1.0" encoding="utf-8"?>
 <p:sld xmlns:a="http://schemas.openxmlformats.org/drawingml/2006/main" xmlns:r="http://schemas.openxmlformats.org/officeDocument/2006/relationships" xmlns:p="http://schemas.openxmlformats.org/presentationml/2006/main">
   <p:cSld>
     <p:spTree>
@@ -5371,7 +6398,7 @@
 </p:sld>
 </file>
 
-<file path=ppt/slides/slide19.xml><?xml version="1.0" encoding="utf-8"?>
+<file path=ppt/slides/slide24.xml><?xml version="1.0" encoding="utf-8"?>
 <p:sld xmlns:a="http://schemas.openxmlformats.org/drawingml/2006/main" xmlns:r="http://schemas.openxmlformats.org/officeDocument/2006/relationships" xmlns:p="http://schemas.openxmlformats.org/presentationml/2006/main">
   <p:cSld>
     <p:spTree>
@@ -5484,90 +6511,7 @@
 </p:sld>
 </file>
 
-<file path=ppt/slides/slide2.xml><?xml version="1.0" encoding="utf-8"?>
-<p:sld xmlns:a="http://schemas.openxmlformats.org/drawingml/2006/main" xmlns:r="http://schemas.openxmlformats.org/officeDocument/2006/relationships" xmlns:p="http://schemas.openxmlformats.org/presentationml/2006/main">
-  <p:cSld>
-    <p:spTree>
-      <p:nvGrpSpPr>
-        <p:cNvPr id="1" name=""/>
-        <p:cNvGrpSpPr/>
-        <p:nvPr/>
-      </p:nvGrpSpPr>
-      <p:grpSpPr>
-        <a:xfrm>
-          <a:off x="0" y="0"/>
-          <a:ext cx="0" cy="0"/>
-          <a:chOff x="0" y="0"/>
-          <a:chExt cx="0" cy="0"/>
-        </a:xfrm>
-      </p:grpSpPr>
-      <p:sp>
-        <p:nvSpPr>
-          <p:cNvPr id="2" name="Title 1">
-            <a:extLst>
-              <a:ext uri="{FF2B5EF4-FFF2-40B4-BE49-F238E27FC236}">
-                <a16:creationId xmlns:a16="http://schemas.microsoft.com/office/drawing/2014/main" id="{FF5B9330-C4A5-4D40-9A9D-83E1F133EEB8}"/>
-              </a:ext>
-            </a:extLst>
-          </p:cNvPr>
-          <p:cNvSpPr>
-            <a:spLocks noGrp="1"/>
-          </p:cNvSpPr>
-          <p:nvPr>
-            <p:ph type="ctrTitle"/>
-          </p:nvPr>
-        </p:nvSpPr>
-        <p:spPr/>
-        <p:txBody>
-          <a:bodyPr/>
-          <a:lstStyle/>
-          <a:p>
-            <a:r>
-              <a:rPr lang="en-US" dirty="0"/>
-              <a:t>Boosting Ensembles</a:t>
-            </a:r>
-          </a:p>
-        </p:txBody>
-      </p:sp>
-      <p:sp>
-        <p:nvSpPr>
-          <p:cNvPr id="3" name="Subtitle 2">
-            <a:extLst>
-              <a:ext uri="{FF2B5EF4-FFF2-40B4-BE49-F238E27FC236}">
-                <a16:creationId xmlns:a16="http://schemas.microsoft.com/office/drawing/2014/main" id="{50329856-91F1-BD4F-9F50-9220817C4A40}"/>
-              </a:ext>
-            </a:extLst>
-          </p:cNvPr>
-          <p:cNvSpPr>
-            <a:spLocks noGrp="1"/>
-          </p:cNvSpPr>
-          <p:nvPr>
-            <p:ph type="subTitle" idx="1"/>
-          </p:nvPr>
-        </p:nvSpPr>
-        <p:spPr/>
-        <p:txBody>
-          <a:bodyPr/>
-          <a:lstStyle/>
-          <a:p>
-            <a:endParaRPr lang="en-US"/>
-          </a:p>
-        </p:txBody>
-      </p:sp>
-    </p:spTree>
-    <p:extLst>
-      <p:ext uri="{BB962C8B-B14F-4D97-AF65-F5344CB8AC3E}">
-        <p14:creationId xmlns:p14="http://schemas.microsoft.com/office/powerpoint/2010/main" val="3723217331"/>
-      </p:ext>
-    </p:extLst>
-  </p:cSld>
-  <p:clrMapOvr>
-    <a:masterClrMapping/>
-  </p:clrMapOvr>
-</p:sld>
-</file>
-
-<file path=ppt/slides/slide20.xml><?xml version="1.0" encoding="utf-8"?>
+<file path=ppt/slides/slide25.xml><?xml version="1.0" encoding="utf-8"?>
 <p:sld xmlns:a="http://schemas.openxmlformats.org/drawingml/2006/main" xmlns:r="http://schemas.openxmlformats.org/officeDocument/2006/relationships" xmlns:p="http://schemas.openxmlformats.org/presentationml/2006/main" show="0">
   <p:cSld>
     <p:spTree>
@@ -5694,7 +6638,7 @@
 </p:sld>
 </file>
 
-<file path=ppt/slides/slide21.xml><?xml version="1.0" encoding="utf-8"?>
+<file path=ppt/slides/slide26.xml><?xml version="1.0" encoding="utf-8"?>
 <p:sld xmlns:a="http://schemas.openxmlformats.org/drawingml/2006/main" xmlns:r="http://schemas.openxmlformats.org/officeDocument/2006/relationships" xmlns:p="http://schemas.openxmlformats.org/presentationml/2006/main">
   <p:cSld>
     <p:spTree>
@@ -6058,7 +7002,146 @@
 </p:sld>
 </file>
 
-<file path=ppt/slides/slide22.xml><?xml version="1.0" encoding="utf-8"?>
+<file path=ppt/slides/slide27.xml><?xml version="1.0" encoding="utf-8"?>
+<p:sld xmlns:a="http://schemas.openxmlformats.org/drawingml/2006/main" xmlns:r="http://schemas.openxmlformats.org/officeDocument/2006/relationships" xmlns:p="http://schemas.openxmlformats.org/presentationml/2006/main">
+  <p:cSld>
+    <p:spTree>
+      <p:nvGrpSpPr>
+        <p:cNvPr id="1" name=""/>
+        <p:cNvGrpSpPr/>
+        <p:nvPr/>
+      </p:nvGrpSpPr>
+      <p:grpSpPr>
+        <a:xfrm>
+          <a:off x="0" y="0"/>
+          <a:ext cx="0" cy="0"/>
+          <a:chOff x="0" y="0"/>
+          <a:chExt cx="0" cy="0"/>
+        </a:xfrm>
+      </p:grpSpPr>
+      <p:sp>
+        <p:nvSpPr>
+          <p:cNvPr id="2" name="Title 1">
+            <a:extLst>
+              <a:ext uri="{FF2B5EF4-FFF2-40B4-BE49-F238E27FC236}">
+                <a16:creationId xmlns:a16="http://schemas.microsoft.com/office/drawing/2014/main" id="{8E4D1305-7727-C3FE-C01D-6DFAA4FB1BC1}"/>
+              </a:ext>
+            </a:extLst>
+          </p:cNvPr>
+          <p:cNvSpPr>
+            <a:spLocks noGrp="1"/>
+          </p:cNvSpPr>
+          <p:nvPr>
+            <p:ph type="title"/>
+          </p:nvPr>
+        </p:nvSpPr>
+        <p:spPr/>
+        <p:txBody>
+          <a:bodyPr/>
+          <a:lstStyle/>
+          <a:p>
+            <a:endParaRPr lang="en-US"/>
+          </a:p>
+        </p:txBody>
+      </p:sp>
+      <p:sp>
+        <p:nvSpPr>
+          <p:cNvPr id="3" name="Content Placeholder 2">
+            <a:extLst>
+              <a:ext uri="{FF2B5EF4-FFF2-40B4-BE49-F238E27FC236}">
+                <a16:creationId xmlns:a16="http://schemas.microsoft.com/office/drawing/2014/main" id="{1DCAEE70-F5DC-6BE3-6A90-BAFB43F2DB0E}"/>
+              </a:ext>
+            </a:extLst>
+          </p:cNvPr>
+          <p:cNvSpPr>
+            <a:spLocks noGrp="1"/>
+          </p:cNvSpPr>
+          <p:nvPr>
+            <p:ph idx="1"/>
+          </p:nvPr>
+        </p:nvSpPr>
+        <p:spPr/>
+        <p:txBody>
+          <a:bodyPr/>
+          <a:lstStyle/>
+          <a:p>
+            <a:endParaRPr lang="en-US"/>
+          </a:p>
+        </p:txBody>
+      </p:sp>
+      <p:pic>
+        <p:nvPicPr>
+          <p:cNvPr id="6" name="Picture 5">
+            <a:extLst>
+              <a:ext uri="{FF2B5EF4-FFF2-40B4-BE49-F238E27FC236}">
+                <a16:creationId xmlns:a16="http://schemas.microsoft.com/office/drawing/2014/main" id="{289699E1-6E7F-29CF-F9BF-5521850D9E01}"/>
+              </a:ext>
+            </a:extLst>
+          </p:cNvPr>
+          <p:cNvPicPr>
+            <a:picLocks noChangeAspect="1"/>
+          </p:cNvPicPr>
+          <p:nvPr/>
+        </p:nvPicPr>
+        <p:blipFill>
+          <a:blip r:embed="rId2"/>
+          <a:stretch>
+            <a:fillRect/>
+          </a:stretch>
+        </p:blipFill>
+        <p:spPr>
+          <a:xfrm>
+            <a:off x="5652186" y="352696"/>
+            <a:ext cx="6539814" cy="6505303"/>
+          </a:xfrm>
+          <a:prstGeom prst="rect">
+            <a:avLst/>
+          </a:prstGeom>
+        </p:spPr>
+      </p:pic>
+      <p:pic>
+        <p:nvPicPr>
+          <p:cNvPr id="5" name="Picture 4">
+            <a:extLst>
+              <a:ext uri="{FF2B5EF4-FFF2-40B4-BE49-F238E27FC236}">
+                <a16:creationId xmlns:a16="http://schemas.microsoft.com/office/drawing/2014/main" id="{A1DC8B92-4458-77BE-92C0-1A3946ADA7EE}"/>
+              </a:ext>
+            </a:extLst>
+          </p:cNvPr>
+          <p:cNvPicPr>
+            <a:picLocks noChangeAspect="1"/>
+          </p:cNvPicPr>
+          <p:nvPr/>
+        </p:nvPicPr>
+        <p:blipFill rotWithShape="1">
+          <a:blip r:embed="rId3"/>
+          <a:srcRect l="2910" r="3992"/>
+          <a:stretch/>
+        </p:blipFill>
+        <p:spPr>
+          <a:xfrm>
+            <a:off x="-16955" y="1122884"/>
+            <a:ext cx="6270171" cy="5236307"/>
+          </a:xfrm>
+          <a:prstGeom prst="rect">
+            <a:avLst/>
+          </a:prstGeom>
+        </p:spPr>
+      </p:pic>
+    </p:spTree>
+    <p:extLst>
+      <p:ext uri="{BB962C8B-B14F-4D97-AF65-F5344CB8AC3E}">
+        <p14:creationId xmlns:p14="http://schemas.microsoft.com/office/powerpoint/2010/main" val="2064548987"/>
+      </p:ext>
+    </p:extLst>
+  </p:cSld>
+  <p:clrMapOvr>
+    <a:masterClrMapping/>
+  </p:clrMapOvr>
+</p:sld>
+</file>
+
+<file path=ppt/slides/slide28.xml><?xml version="1.0" encoding="utf-8"?>
 <p:sld xmlns:a="http://schemas.openxmlformats.org/drawingml/2006/main" xmlns:r="http://schemas.openxmlformats.org/officeDocument/2006/relationships" xmlns:p="http://schemas.openxmlformats.org/presentationml/2006/main">
   <p:cSld>
     <p:spTree>
@@ -6168,7 +7251,7 @@
 </p:sld>
 </file>
 
-<file path=ppt/slides/slide23.xml><?xml version="1.0" encoding="utf-8"?>
+<file path=ppt/slides/slide29.xml><?xml version="1.0" encoding="utf-8"?>
 <p:sld xmlns:a="http://schemas.openxmlformats.org/drawingml/2006/main" xmlns:r="http://schemas.openxmlformats.org/officeDocument/2006/relationships" xmlns:p="http://schemas.openxmlformats.org/presentationml/2006/main">
   <p:cSld>
     <p:spTree>
@@ -6190,6 +7273,251 @@
           <p:cNvPr id="2" name="Title 1">
             <a:extLst>
               <a:ext uri="{FF2B5EF4-FFF2-40B4-BE49-F238E27FC236}">
+                <a16:creationId xmlns:a16="http://schemas.microsoft.com/office/drawing/2014/main" id="{1EAAF59C-281E-5F10-4E1A-3E2A0BF7620E}"/>
+              </a:ext>
+            </a:extLst>
+          </p:cNvPr>
+          <p:cNvSpPr>
+            <a:spLocks noGrp="1"/>
+          </p:cNvSpPr>
+          <p:nvPr>
+            <p:ph type="title"/>
+          </p:nvPr>
+        </p:nvSpPr>
+        <p:spPr/>
+        <p:txBody>
+          <a:bodyPr/>
+          <a:lstStyle/>
+          <a:p>
+            <a:r>
+              <a:rPr lang="en-US" dirty="0"/>
+              <a:t>Gradient Boosting Magic</a:t>
+            </a:r>
+          </a:p>
+        </p:txBody>
+      </p:sp>
+      <p:sp>
+        <p:nvSpPr>
+          <p:cNvPr id="3" name="Content Placeholder 2">
+            <a:extLst>
+              <a:ext uri="{FF2B5EF4-FFF2-40B4-BE49-F238E27FC236}">
+                <a16:creationId xmlns:a16="http://schemas.microsoft.com/office/drawing/2014/main" id="{DBF5FB0F-8D09-D08E-B8A2-A77F0D0A718E}"/>
+              </a:ext>
+            </a:extLst>
+          </p:cNvPr>
+          <p:cNvSpPr>
+            <a:spLocks noGrp="1"/>
+          </p:cNvSpPr>
+          <p:nvPr>
+            <p:ph idx="1"/>
+          </p:nvPr>
+        </p:nvSpPr>
+        <p:spPr>
+          <a:xfrm>
+            <a:off x="1451579" y="1938130"/>
+            <a:ext cx="9603275" cy="3528215"/>
+          </a:xfrm>
+        </p:spPr>
+        <p:txBody>
+          <a:bodyPr/>
+          <a:lstStyle/>
+          <a:p>
+            <a:r>
+              <a:rPr lang="en-US" dirty="0"/>
+              <a:t>Gradient boosted models generally perform very well. </a:t>
+            </a:r>
+          </a:p>
+          <a:p>
+            <a:r>
+              <a:rPr lang="en-US" dirty="0"/>
+              <a:t>Each new model in the ensemble is fitted to correct whatever problems the model has at that moment, without hurting the things the ensemble does well. </a:t>
+            </a:r>
+          </a:p>
+          <a:p>
+            <a:r>
+              <a:rPr lang="en-US" dirty="0"/>
+              <a:t>This allows for:</a:t>
+            </a:r>
+          </a:p>
+          <a:p>
+            <a:pPr lvl="1"/>
+            <a:r>
+              <a:rPr lang="en-US" dirty="0"/>
+              <a:t>Lots of learning by the model to happen (reduce bias error). </a:t>
+            </a:r>
+          </a:p>
+          <a:p>
+            <a:pPr lvl="1"/>
+            <a:r>
+              <a:rPr lang="en-US" dirty="0"/>
+              <a:t>Not overfit, because it’s only acting on the errors (prevent the introduction of variance error).</a:t>
+            </a:r>
+          </a:p>
+        </p:txBody>
+      </p:sp>
+    </p:spTree>
+    <p:extLst>
+      <p:ext uri="{BB962C8B-B14F-4D97-AF65-F5344CB8AC3E}">
+        <p14:creationId xmlns:p14="http://schemas.microsoft.com/office/powerpoint/2010/main" val="1110663046"/>
+      </p:ext>
+    </p:extLst>
+  </p:cSld>
+  <p:clrMapOvr>
+    <a:masterClrMapping/>
+  </p:clrMapOvr>
+</p:sld>
+</file>
+
+<file path=ppt/slides/slide3.xml><?xml version="1.0" encoding="utf-8"?>
+<p:sld xmlns:a="http://schemas.openxmlformats.org/drawingml/2006/main" xmlns:r="http://schemas.openxmlformats.org/officeDocument/2006/relationships" xmlns:p="http://schemas.openxmlformats.org/presentationml/2006/main">
+  <p:cSld>
+    <p:spTree>
+      <p:nvGrpSpPr>
+        <p:cNvPr id="1" name=""/>
+        <p:cNvGrpSpPr/>
+        <p:nvPr/>
+      </p:nvGrpSpPr>
+      <p:grpSpPr>
+        <a:xfrm>
+          <a:off x="0" y="0"/>
+          <a:ext cx="0" cy="0"/>
+          <a:chOff x="0" y="0"/>
+          <a:chExt cx="0" cy="0"/>
+        </a:xfrm>
+      </p:grpSpPr>
+      <p:sp>
+        <p:nvSpPr>
+          <p:cNvPr id="2" name="Title 1">
+            <a:extLst>
+              <a:ext uri="{FF2B5EF4-FFF2-40B4-BE49-F238E27FC236}">
+                <a16:creationId xmlns:a16="http://schemas.microsoft.com/office/drawing/2014/main" id="{F1DC919C-510F-A81C-2190-A91B7D28B9E9}"/>
+              </a:ext>
+            </a:extLst>
+          </p:cNvPr>
+          <p:cNvSpPr>
+            <a:spLocks noGrp="1"/>
+          </p:cNvSpPr>
+          <p:nvPr>
+            <p:ph type="title"/>
+          </p:nvPr>
+        </p:nvSpPr>
+        <p:spPr/>
+        <p:txBody>
+          <a:bodyPr/>
+          <a:lstStyle/>
+          <a:p>
+            <a:r>
+              <a:rPr lang="en-US" dirty="0"/>
+              <a:t>Remember Forests and Ensembles…</a:t>
+            </a:r>
+          </a:p>
+        </p:txBody>
+      </p:sp>
+      <p:sp>
+        <p:nvSpPr>
+          <p:cNvPr id="3" name="Content Placeholder 2">
+            <a:extLst>
+              <a:ext uri="{FF2B5EF4-FFF2-40B4-BE49-F238E27FC236}">
+                <a16:creationId xmlns:a16="http://schemas.microsoft.com/office/drawing/2014/main" id="{4D05D7E3-E013-3B97-17E8-C9DA00CA633D}"/>
+              </a:ext>
+            </a:extLst>
+          </p:cNvPr>
+          <p:cNvSpPr>
+            <a:spLocks noGrp="1"/>
+          </p:cNvSpPr>
+          <p:nvPr>
+            <p:ph idx="1"/>
+          </p:nvPr>
+        </p:nvSpPr>
+        <p:spPr/>
+        <p:txBody>
+          <a:bodyPr/>
+          <a:lstStyle/>
+          <a:p>
+            <a:endParaRPr lang="en-US"/>
+          </a:p>
+        </p:txBody>
+      </p:sp>
+      <p:pic>
+        <p:nvPicPr>
+          <p:cNvPr id="1026" name="Picture 2" descr="Random Forest Classifier using Scikit-learn - GeeksforGeeks">
+            <a:extLst>
+              <a:ext uri="{FF2B5EF4-FFF2-40B4-BE49-F238E27FC236}">
+                <a16:creationId xmlns:a16="http://schemas.microsoft.com/office/drawing/2014/main" id="{6C638949-93E5-1C98-9560-ABDBD25C7AAE}"/>
+              </a:ext>
+            </a:extLst>
+          </p:cNvPr>
+          <p:cNvPicPr>
+            <a:picLocks noChangeAspect="1" noChangeArrowheads="1"/>
+          </p:cNvPicPr>
+          <p:nvPr/>
+        </p:nvPicPr>
+        <p:blipFill rotWithShape="1">
+          <a:blip r:embed="rId2">
+            <a:extLst>
+              <a:ext uri="{28A0092B-C50C-407E-A947-70E740481C1C}">
+                <a14:useLocalDpi xmlns:a14="http://schemas.microsoft.com/office/drawing/2010/main" val="0"/>
+              </a:ext>
+            </a:extLst>
+          </a:blip>
+          <a:srcRect b="6928"/>
+          <a:stretch/>
+        </p:blipFill>
+        <p:spPr bwMode="auto">
+          <a:xfrm>
+            <a:off x="1016000" y="2015732"/>
+            <a:ext cx="10160000" cy="4728029"/>
+          </a:xfrm>
+          <a:prstGeom prst="rect">
+            <a:avLst/>
+          </a:prstGeom>
+          <a:noFill/>
+          <a:extLst>
+            <a:ext uri="{909E8E84-426E-40DD-AFC4-6F175D3DCCD1}">
+              <a14:hiddenFill xmlns:a14="http://schemas.microsoft.com/office/drawing/2010/main">
+                <a:solidFill>
+                  <a:srgbClr val="FFFFFF"/>
+                </a:solidFill>
+              </a14:hiddenFill>
+            </a:ext>
+          </a:extLst>
+        </p:spPr>
+      </p:pic>
+    </p:spTree>
+    <p:extLst>
+      <p:ext uri="{BB962C8B-B14F-4D97-AF65-F5344CB8AC3E}">
+        <p14:creationId xmlns:p14="http://schemas.microsoft.com/office/powerpoint/2010/main" val="351378709"/>
+      </p:ext>
+    </p:extLst>
+  </p:cSld>
+  <p:clrMapOvr>
+    <a:masterClrMapping/>
+  </p:clrMapOvr>
+</p:sld>
+</file>
+
+<file path=ppt/slides/slide30.xml><?xml version="1.0" encoding="utf-8"?>
+<p:sld xmlns:a="http://schemas.openxmlformats.org/drawingml/2006/main" xmlns:r="http://schemas.openxmlformats.org/officeDocument/2006/relationships" xmlns:p="http://schemas.openxmlformats.org/presentationml/2006/main">
+  <p:cSld>
+    <p:spTree>
+      <p:nvGrpSpPr>
+        <p:cNvPr id="1" name=""/>
+        <p:cNvGrpSpPr/>
+        <p:nvPr/>
+      </p:nvGrpSpPr>
+      <p:grpSpPr>
+        <a:xfrm>
+          <a:off x="0" y="0"/>
+          <a:ext cx="0" cy="0"/>
+          <a:chOff x="0" y="0"/>
+          <a:chExt cx="0" cy="0"/>
+        </a:xfrm>
+      </p:grpSpPr>
+      <p:sp>
+        <p:nvSpPr>
+          <p:cNvPr id="2" name="Title 1">
+            <a:extLst>
+              <a:ext uri="{FF2B5EF4-FFF2-40B4-BE49-F238E27FC236}">
                 <a16:creationId xmlns:a16="http://schemas.microsoft.com/office/drawing/2014/main" id="{DC144B30-6FC5-6B4B-8B10-45FE64DA2645}"/>
               </a:ext>
             </a:extLst>
@@ -6371,7 +7699,7 @@
 </p:sld>
 </file>
 
-<file path=ppt/slides/slide24.xml><?xml version="1.0" encoding="utf-8"?>
+<file path=ppt/slides/slide31.xml><?xml version="1.0" encoding="utf-8"?>
 <p:sld xmlns:a="http://schemas.openxmlformats.org/drawingml/2006/main" xmlns:r="http://schemas.openxmlformats.org/officeDocument/2006/relationships" xmlns:p="http://schemas.openxmlformats.org/presentationml/2006/main">
   <p:cSld>
     <p:spTree>
@@ -6498,7 +7826,7 @@
 </p:sld>
 </file>
 
-<file path=ppt/slides/slide25.xml><?xml version="1.0" encoding="utf-8"?>
+<file path=ppt/slides/slide32.xml><?xml version="1.0" encoding="utf-8"?>
 <p:sld xmlns:a="http://schemas.openxmlformats.org/drawingml/2006/main" xmlns:r="http://schemas.openxmlformats.org/officeDocument/2006/relationships" xmlns:p="http://schemas.openxmlformats.org/presentationml/2006/main">
   <p:cSld>
     <p:spTree>
@@ -6665,7 +7993,7 @@
 </p:sld>
 </file>
 
-<file path=ppt/slides/slide26.xml><?xml version="1.0" encoding="utf-8"?>
+<file path=ppt/slides/slide33.xml><?xml version="1.0" encoding="utf-8"?>
 <p:sld xmlns:a="http://schemas.openxmlformats.org/drawingml/2006/main" xmlns:r="http://schemas.openxmlformats.org/officeDocument/2006/relationships" xmlns:p="http://schemas.openxmlformats.org/presentationml/2006/main">
   <p:cSld>
     <p:spTree>
@@ -6773,7 +8101,7 @@
           <a:p>
             <a:r>
               <a:rPr lang="en-US" dirty="0"/>
-              <a:t>Stacking tends to increase performance on average. </a:t>
+              <a:t>Stacking tends to increase performance on average, but it is often slow. </a:t>
             </a:r>
           </a:p>
           <a:p>
@@ -6786,11 +8114,8 @@
           <a:p>
             <a:r>
               <a:rPr lang="en-US" dirty="0"/>
-              <a:t>Slower to train and to predict. </a:t>
-            </a:r>
-          </a:p>
-          <a:p>
-            <a:endParaRPr lang="en-US" dirty="0"/>
+              <a:t>If we have enough data, a neural network can likely learn what the stack is doing, better.</a:t>
+            </a:r>
           </a:p>
         </p:txBody>
       </p:sp>
@@ -6807,7 +8132,7 @@
 </p:sld>
 </file>
 
-<file path=ppt/slides/slide27.xml><?xml version="1.0" encoding="utf-8"?>
+<file path=ppt/slides/slide34.xml><?xml version="1.0" encoding="utf-8"?>
 <p:sld xmlns:a="http://schemas.openxmlformats.org/drawingml/2006/main" xmlns:r="http://schemas.openxmlformats.org/officeDocument/2006/relationships" xmlns:p="http://schemas.openxmlformats.org/presentationml/2006/main">
   <p:cSld>
     <p:spTree>
@@ -6932,7 +8257,7 @@
 </p:sld>
 </file>
 
-<file path=ppt/slides/slide28.xml><?xml version="1.0" encoding="utf-8"?>
+<file path=ppt/slides/slide35.xml><?xml version="1.0" encoding="utf-8"?>
 <p:sld xmlns:a="http://schemas.openxmlformats.org/drawingml/2006/main" xmlns:r="http://schemas.openxmlformats.org/officeDocument/2006/relationships" xmlns:p="http://schemas.openxmlformats.org/presentationml/2006/main">
   <p:cSld>
     <p:spTree>
@@ -7132,7 +8457,7 @@
 </p:sld>
 </file>
 
-<file path=ppt/slides/slide3.xml><?xml version="1.0" encoding="utf-8"?>
+<file path=ppt/slides/slide4.xml><?xml version="1.0" encoding="utf-8"?>
 <p:sld xmlns:a="http://schemas.openxmlformats.org/drawingml/2006/main" xmlns:r="http://schemas.openxmlformats.org/officeDocument/2006/relationships" xmlns:p="http://schemas.openxmlformats.org/presentationml/2006/main">
   <p:cSld>
     <p:spTree>
@@ -7154,6 +8479,184 @@
           <p:cNvPr id="2" name="Title 1">
             <a:extLst>
               <a:ext uri="{FF2B5EF4-FFF2-40B4-BE49-F238E27FC236}">
+                <a16:creationId xmlns:a16="http://schemas.microsoft.com/office/drawing/2014/main" id="{F2F31FAC-8BCC-B93F-D2EB-3AADF9F72094}"/>
+              </a:ext>
+            </a:extLst>
+          </p:cNvPr>
+          <p:cNvSpPr>
+            <a:spLocks noGrp="1"/>
+          </p:cNvSpPr>
+          <p:nvPr>
+            <p:ph type="title"/>
+          </p:nvPr>
+        </p:nvSpPr>
+        <p:spPr>
+          <a:xfrm>
+            <a:off x="6072187" y="804519"/>
+            <a:ext cx="4982667" cy="1049235"/>
+          </a:xfrm>
+        </p:spPr>
+        <p:txBody>
+          <a:bodyPr/>
+          <a:lstStyle/>
+          <a:p>
+            <a:r>
+              <a:rPr lang="en-US" dirty="0"/>
+              <a:t>Bagging and Bootstrapping</a:t>
+            </a:r>
+          </a:p>
+        </p:txBody>
+      </p:sp>
+      <p:sp>
+        <p:nvSpPr>
+          <p:cNvPr id="3" name="Content Placeholder 2">
+            <a:extLst>
+              <a:ext uri="{FF2B5EF4-FFF2-40B4-BE49-F238E27FC236}">
+                <a16:creationId xmlns:a16="http://schemas.microsoft.com/office/drawing/2014/main" id="{4D964932-43DB-565F-7FEF-D4188C6DA984}"/>
+              </a:ext>
+            </a:extLst>
+          </p:cNvPr>
+          <p:cNvSpPr>
+            <a:spLocks noGrp="1"/>
+          </p:cNvSpPr>
+          <p:nvPr>
+            <p:ph idx="1"/>
+          </p:nvPr>
+        </p:nvSpPr>
+        <p:spPr>
+          <a:xfrm>
+            <a:off x="6072187" y="1853754"/>
+            <a:ext cx="6119813" cy="4324977"/>
+          </a:xfrm>
+        </p:spPr>
+        <p:txBody>
+          <a:bodyPr>
+            <a:normAutofit/>
+          </a:bodyPr>
+          <a:lstStyle/>
+          <a:p>
+            <a:r>
+              <a:rPr lang="en-US" sz="2400" dirty="0"/>
+              <a:t>Fights overfitting with models that are prone to be overfit, like a tree. </a:t>
+            </a:r>
+          </a:p>
+          <a:p>
+            <a:pPr lvl="1"/>
+            <a:r>
+              <a:rPr lang="en-US" sz="2200" dirty="0"/>
+              <a:t>Trees will grow to perfection on training data without limits to their growth. </a:t>
+            </a:r>
+          </a:p>
+          <a:p>
+            <a:r>
+              <a:rPr lang="en-US" sz="2400" dirty="0"/>
+              <a:t>Bootstraps training datasets. </a:t>
+            </a:r>
+          </a:p>
+          <a:p>
+            <a:pPr lvl="1"/>
+            <a:r>
+              <a:rPr lang="en-US" sz="2000" dirty="0"/>
+              <a:t>Each row of data will only be in some models. </a:t>
+            </a:r>
+          </a:p>
+          <a:p>
+            <a:pPr lvl="1"/>
+            <a:r>
+              <a:rPr lang="en-US" sz="2000" dirty="0"/>
+              <a:t>Each feature may also only be in some models. </a:t>
+            </a:r>
+          </a:p>
+          <a:p>
+            <a:r>
+              <a:rPr lang="en-US" sz="2400" dirty="0"/>
+              <a:t>Combines all models to predict. </a:t>
+            </a:r>
+          </a:p>
+        </p:txBody>
+      </p:sp>
+      <p:pic>
+        <p:nvPicPr>
+          <p:cNvPr id="2050" name="Picture 2" descr="Bootstrap aggregation, or the Bagging technique (Lan 2017) | Download  Scientific Diagram">
+            <a:extLst>
+              <a:ext uri="{FF2B5EF4-FFF2-40B4-BE49-F238E27FC236}">
+                <a16:creationId xmlns:a16="http://schemas.microsoft.com/office/drawing/2014/main" id="{ABEDEFEE-7DA7-55B6-4A0B-C11FF9A0BF88}"/>
+              </a:ext>
+            </a:extLst>
+          </p:cNvPr>
+          <p:cNvPicPr>
+            <a:picLocks noChangeAspect="1" noChangeArrowheads="1"/>
+          </p:cNvPicPr>
+          <p:nvPr/>
+        </p:nvPicPr>
+        <p:blipFill>
+          <a:blip r:embed="rId2">
+            <a:extLst>
+              <a:ext uri="{28A0092B-C50C-407E-A947-70E740481C1C}">
+                <a14:useLocalDpi xmlns:a14="http://schemas.microsoft.com/office/drawing/2010/main" val="0"/>
+              </a:ext>
+            </a:extLst>
+          </a:blip>
+          <a:srcRect/>
+          <a:stretch>
+            <a:fillRect/>
+          </a:stretch>
+        </p:blipFill>
+        <p:spPr bwMode="auto">
+          <a:xfrm>
+            <a:off x="0" y="0"/>
+            <a:ext cx="6072187" cy="6858000"/>
+          </a:xfrm>
+          <a:prstGeom prst="rect">
+            <a:avLst/>
+          </a:prstGeom>
+          <a:noFill/>
+          <a:extLst>
+            <a:ext uri="{909E8E84-426E-40DD-AFC4-6F175D3DCCD1}">
+              <a14:hiddenFill xmlns:a14="http://schemas.microsoft.com/office/drawing/2010/main">
+                <a:solidFill>
+                  <a:srgbClr val="FFFFFF"/>
+                </a:solidFill>
+              </a14:hiddenFill>
+            </a:ext>
+          </a:extLst>
+        </p:spPr>
+      </p:pic>
+    </p:spTree>
+    <p:extLst>
+      <p:ext uri="{BB962C8B-B14F-4D97-AF65-F5344CB8AC3E}">
+        <p14:creationId xmlns:p14="http://schemas.microsoft.com/office/powerpoint/2010/main" val="1366233277"/>
+      </p:ext>
+    </p:extLst>
+  </p:cSld>
+  <p:clrMapOvr>
+    <a:masterClrMapping/>
+  </p:clrMapOvr>
+</p:sld>
+</file>
+
+<file path=ppt/slides/slide5.xml><?xml version="1.0" encoding="utf-8"?>
+<p:sld xmlns:a="http://schemas.openxmlformats.org/drawingml/2006/main" xmlns:r="http://schemas.openxmlformats.org/officeDocument/2006/relationships" xmlns:p="http://schemas.openxmlformats.org/presentationml/2006/main">
+  <p:cSld>
+    <p:spTree>
+      <p:nvGrpSpPr>
+        <p:cNvPr id="1" name=""/>
+        <p:cNvGrpSpPr/>
+        <p:nvPr/>
+      </p:nvGrpSpPr>
+      <p:grpSpPr>
+        <a:xfrm>
+          <a:off x="0" y="0"/>
+          <a:ext cx="0" cy="0"/>
+          <a:chOff x="0" y="0"/>
+          <a:chExt cx="0" cy="0"/>
+        </a:xfrm>
+      </p:grpSpPr>
+      <p:sp>
+        <p:nvSpPr>
+          <p:cNvPr id="2" name="Title 1">
+            <a:extLst>
+              <a:ext uri="{FF2B5EF4-FFF2-40B4-BE49-F238E27FC236}">
                 <a16:creationId xmlns:a16="http://schemas.microsoft.com/office/drawing/2014/main" id="{FD1DE768-77C4-9245-BBBE-EA31F326A084}"/>
               </a:ext>
             </a:extLst>
@@ -7234,14 +8737,14 @@
             <a:pPr lvl="1"/>
             <a:r>
               <a:rPr lang="en-US" dirty="0"/>
-              <a:t>Generally outperforms individual models, particularly in preventing overfitting. </a:t>
+              <a:t>Generally outperforms individual models, particularly in preventing overfitting (var error). </a:t>
             </a:r>
           </a:p>
           <a:p>
             <a:pPr lvl="1"/>
             <a:r>
               <a:rPr lang="en-US" dirty="0"/>
-              <a:t>Each individual model runs independent of the others. </a:t>
+              <a:t>Each individual model runs independent of the others – can be parallelized. </a:t>
             </a:r>
           </a:p>
           <a:p>
@@ -7286,7 +8789,7 @@
 </p:sld>
 </file>
 
-<file path=ppt/slides/slide4.xml><?xml version="1.0" encoding="utf-8"?>
+<file path=ppt/slides/slide6.xml><?xml version="1.0" encoding="utf-8"?>
 <p:sld xmlns:a="http://schemas.openxmlformats.org/drawingml/2006/main" xmlns:r="http://schemas.openxmlformats.org/officeDocument/2006/relationships" xmlns:p="http://schemas.openxmlformats.org/presentationml/2006/main">
   <p:cSld>
     <p:spTree>
@@ -7413,7 +8916,7 @@
 </p:sld>
 </file>
 
-<file path=ppt/slides/slide5.xml><?xml version="1.0" encoding="utf-8"?>
+<file path=ppt/slides/slide7.xml><?xml version="1.0" encoding="utf-8"?>
 <p:sld xmlns:a="http://schemas.openxmlformats.org/drawingml/2006/main" xmlns:r="http://schemas.openxmlformats.org/officeDocument/2006/relationships" xmlns:p="http://schemas.openxmlformats.org/presentationml/2006/main">
   <p:cSld>
     <p:spTree>
@@ -7446,7 +8949,12 @@
             <p:ph type="title"/>
           </p:nvPr>
         </p:nvSpPr>
-        <p:spPr/>
+        <p:spPr>
+          <a:xfrm>
+            <a:off x="1451579" y="804519"/>
+            <a:ext cx="5732267" cy="1049235"/>
+          </a:xfrm>
+        </p:spPr>
         <p:txBody>
           <a:bodyPr/>
           <a:lstStyle/>
@@ -7476,8 +8984,8 @@
         </p:nvSpPr>
         <p:spPr>
           <a:xfrm>
-            <a:off x="1451579" y="1853754"/>
-            <a:ext cx="9603275" cy="4279417"/>
+            <a:off x="1214847" y="1853754"/>
+            <a:ext cx="10450284" cy="4279417"/>
           </a:xfrm>
         </p:spPr>
         <p:txBody>
@@ -7500,7 +9008,7 @@
             <a:pPr lvl="1"/>
             <a:r>
               <a:rPr lang="en-US" dirty="0"/>
-              <a:t>Very underfitted. </a:t>
+              <a:t>Very underfitted – lots of bias error, low/no variance error. </a:t>
             </a:r>
           </a:p>
           <a:p>
@@ -7533,7 +9041,7 @@
           <a:p>
             <a:r>
               <a:rPr lang="en-US" dirty="0"/>
-              <a:t>Boosting usually uses a simple decision tree, such as a stump, as the base learner. </a:t>
+              <a:t>Boosting usually uses a simple decision tree, such as a stump (~2 levels) , as the base learner. </a:t>
             </a:r>
           </a:p>
           <a:p>
@@ -7553,277 +9061,19 @@
           </a:p>
         </p:txBody>
       </p:sp>
-    </p:spTree>
-    <p:extLst>
-      <p:ext uri="{BB962C8B-B14F-4D97-AF65-F5344CB8AC3E}">
-        <p14:creationId xmlns:p14="http://schemas.microsoft.com/office/powerpoint/2010/main" val="3455174501"/>
-      </p:ext>
-    </p:extLst>
-  </p:cSld>
-  <p:clrMapOvr>
-    <a:masterClrMapping/>
-  </p:clrMapOvr>
-</p:sld>
-</file>
-
-<file path=ppt/slides/slide6.xml><?xml version="1.0" encoding="utf-8"?>
-<p:sld xmlns:a="http://schemas.openxmlformats.org/drawingml/2006/main" xmlns:r="http://schemas.openxmlformats.org/officeDocument/2006/relationships" xmlns:p="http://schemas.openxmlformats.org/presentationml/2006/main">
-  <p:cSld>
-    <p:spTree>
-      <p:nvGrpSpPr>
-        <p:cNvPr id="1" name=""/>
-        <p:cNvGrpSpPr/>
-        <p:nvPr/>
-      </p:nvGrpSpPr>
-      <p:grpSpPr>
-        <a:xfrm>
-          <a:off x="0" y="0"/>
-          <a:ext cx="0" cy="0"/>
-          <a:chOff x="0" y="0"/>
-          <a:chExt cx="0" cy="0"/>
-        </a:xfrm>
-      </p:grpSpPr>
-      <p:sp>
-        <p:nvSpPr>
-          <p:cNvPr id="2" name="Title 1">
-            <a:extLst>
-              <a:ext uri="{FF2B5EF4-FFF2-40B4-BE49-F238E27FC236}">
-                <a16:creationId xmlns:a16="http://schemas.microsoft.com/office/drawing/2014/main" id="{43BB6995-CCCC-6041-87EE-F28BC90619EB}"/>
-              </a:ext>
-            </a:extLst>
-          </p:cNvPr>
-          <p:cNvSpPr>
-            <a:spLocks noGrp="1"/>
-          </p:cNvSpPr>
-          <p:nvPr>
-            <p:ph type="title"/>
-          </p:nvPr>
-        </p:nvSpPr>
-        <p:spPr/>
-        <p:txBody>
-          <a:bodyPr/>
-          <a:lstStyle/>
-          <a:p>
-            <a:r>
-              <a:rPr lang="en-US" dirty="0"/>
-              <a:t>From Weak to Strong</a:t>
-            </a:r>
-          </a:p>
-        </p:txBody>
-      </p:sp>
-      <p:sp>
-        <p:nvSpPr>
-          <p:cNvPr id="3" name="Content Placeholder 2">
-            <a:extLst>
-              <a:ext uri="{FF2B5EF4-FFF2-40B4-BE49-F238E27FC236}">
-                <a16:creationId xmlns:a16="http://schemas.microsoft.com/office/drawing/2014/main" id="{0FF87519-AF29-8146-B158-D076F361F1E0}"/>
-              </a:ext>
-            </a:extLst>
-          </p:cNvPr>
-          <p:cNvSpPr>
-            <a:spLocks noGrp="1"/>
-          </p:cNvSpPr>
-          <p:nvPr>
-            <p:ph idx="1"/>
-          </p:nvPr>
-        </p:nvSpPr>
-        <p:spPr>
-          <a:xfrm>
-            <a:off x="1451579" y="2015732"/>
-            <a:ext cx="9603275" cy="4037749"/>
-          </a:xfrm>
-        </p:spPr>
-        <p:txBody>
-          <a:bodyPr/>
-          <a:lstStyle/>
-          <a:p>
-            <a:r>
-              <a:rPr lang="en-US" dirty="0"/>
-              <a:t>Boosting algorithms create a strong learner from many weak ones. </a:t>
-            </a:r>
-          </a:p>
-          <a:p>
-            <a:r>
-              <a:rPr lang="en-US" dirty="0"/>
-              <a:t>Each learner contributes a little, subsequent ones focus on the mistakes. </a:t>
-            </a:r>
-          </a:p>
-          <a:p>
-            <a:r>
-              <a:rPr lang="en-US" dirty="0"/>
-              <a:t>Each learner does a slightly different thing, so they compensate for each other’s weaknesses. </a:t>
-            </a:r>
-          </a:p>
-          <a:p>
-            <a:r>
-              <a:rPr lang="en-US" dirty="0"/>
-              <a:t>Boosted models:</a:t>
-            </a:r>
-          </a:p>
-          <a:p>
-            <a:pPr lvl="1"/>
-            <a:r>
-              <a:rPr lang="en-US" dirty="0"/>
-              <a:t>Provide ability to capture variance with many “steps” – i.e. each model. </a:t>
-            </a:r>
-          </a:p>
-          <a:p>
-            <a:pPr lvl="1"/>
-            <a:r>
-              <a:rPr lang="en-US" dirty="0"/>
-              <a:t>Prevent excessive overfitting by having simple models, and targeting current error. </a:t>
-            </a:r>
-          </a:p>
-          <a:p>
-            <a:r>
-              <a:rPr lang="en-US" dirty="0"/>
-              <a:t>New boosted models (within last 10 year or so) are very good. </a:t>
-            </a:r>
-          </a:p>
-        </p:txBody>
-      </p:sp>
-    </p:spTree>
-    <p:extLst>
-      <p:ext uri="{BB962C8B-B14F-4D97-AF65-F5344CB8AC3E}">
-        <p14:creationId xmlns:p14="http://schemas.microsoft.com/office/powerpoint/2010/main" val="2106624626"/>
-      </p:ext>
-    </p:extLst>
-  </p:cSld>
-  <p:clrMapOvr>
-    <a:masterClrMapping/>
-  </p:clrMapOvr>
-</p:sld>
-</file>
-
-<file path=ppt/slides/slide7.xml><?xml version="1.0" encoding="utf-8"?>
-<p:sld xmlns:a="http://schemas.openxmlformats.org/drawingml/2006/main" xmlns:r="http://schemas.openxmlformats.org/officeDocument/2006/relationships" xmlns:p="http://schemas.openxmlformats.org/presentationml/2006/main">
-  <p:cSld>
-    <p:bg>
-      <p:bgPr>
-        <a:gradFill rotWithShape="1">
-          <a:gsLst>
-            <a:gs pos="0">
-              <a:schemeClr val="bg2">
-                <a:tint val="94000"/>
-                <a:satMod val="80000"/>
-                <a:lumMod val="106000"/>
-              </a:schemeClr>
-            </a:gs>
-            <a:gs pos="100000">
-              <a:schemeClr val="bg2">
-                <a:shade val="80000"/>
-              </a:schemeClr>
-            </a:gs>
-          </a:gsLst>
-          <a:path path="circle">
-            <a:fillToRect l="43000" r="43000" b="100000"/>
-          </a:path>
-        </a:gradFill>
-        <a:effectLst/>
-      </p:bgPr>
-    </p:bg>
-    <p:spTree>
-      <p:nvGrpSpPr>
-        <p:cNvPr id="1" name=""/>
-        <p:cNvGrpSpPr/>
-        <p:nvPr/>
-      </p:nvGrpSpPr>
-      <p:grpSpPr>
-        <a:xfrm>
-          <a:off x="0" y="0"/>
-          <a:ext cx="0" cy="0"/>
-          <a:chOff x="0" y="0"/>
-          <a:chExt cx="0" cy="0"/>
-        </a:xfrm>
-      </p:grpSpPr>
-      <p:sp>
-        <p:nvSpPr>
-          <p:cNvPr id="71" name="Rectangle 70">
-            <a:extLst>
-              <a:ext uri="{FF2B5EF4-FFF2-40B4-BE49-F238E27FC236}">
-                <a16:creationId xmlns:a16="http://schemas.microsoft.com/office/drawing/2014/main" id="{CDDE5CDF-1512-4CDA-B956-23D223F8DE44}"/>
-              </a:ext>
-              <a:ext uri="{C183D7F6-B498-43B3-948B-1728B52AA6E4}">
-                <adec:decorative xmlns:adec="http://schemas.microsoft.com/office/drawing/2017/decorative" val="1"/>
-              </a:ext>
-            </a:extLst>
-          </p:cNvPr>
-          <p:cNvSpPr>
-            <a:spLocks noGrp="1" noRot="1" noChangeAspect="1" noMove="1" noResize="1" noEditPoints="1" noAdjustHandles="1" noChangeArrowheads="1" noChangeShapeType="1" noTextEdit="1"/>
-          </p:cNvSpPr>
-          <p:nvPr>
-            <p:extLst>
-              <p:ext uri="{386F3935-93C4-4BCD-93E2-E3B085C9AB24}">
-                <p16:designElem xmlns:p16="http://schemas.microsoft.com/office/powerpoint/2015/main" val="1"/>
-              </p:ext>
-            </p:extLst>
-          </p:nvPr>
-        </p:nvSpPr>
-        <p:spPr>
-          <a:xfrm>
-            <a:off x="0" y="2019476"/>
-            <a:ext cx="12192000" cy="4105941"/>
-          </a:xfrm>
-          <a:prstGeom prst="rect">
-            <a:avLst/>
-          </a:prstGeom>
-          <a:gradFill flip="none" rotWithShape="1">
-            <a:gsLst>
-              <a:gs pos="0">
-                <a:schemeClr val="bg2">
-                  <a:alpha val="0"/>
-                </a:schemeClr>
-              </a:gs>
-              <a:gs pos="100000">
-                <a:schemeClr val="bg2"/>
-              </a:gs>
-            </a:gsLst>
-            <a:lin ang="5400000" scaled="0"/>
-            <a:tileRect/>
-          </a:gradFill>
-          <a:ln>
-            <a:noFill/>
-          </a:ln>
-        </p:spPr>
-        <p:style>
-          <a:lnRef idx="2">
-            <a:schemeClr val="accent1">
-              <a:shade val="50000"/>
-            </a:schemeClr>
-          </a:lnRef>
-          <a:fillRef idx="1">
-            <a:schemeClr val="accent1"/>
-          </a:fillRef>
-          <a:effectRef idx="0">
-            <a:schemeClr val="accent1"/>
-          </a:effectRef>
-          <a:fontRef idx="minor">
-            <a:schemeClr val="lt1"/>
-          </a:fontRef>
-        </p:style>
-      </p:sp>
       <p:pic>
         <p:nvPicPr>
-          <p:cNvPr id="73" name="Picture 72">
+          <p:cNvPr id="3074" name="Picture 2" descr="Weak Learners &amp; Strong Learners for Machine Learning | by Mehmet Akturk |  Medium">
             <a:extLst>
               <a:ext uri="{FF2B5EF4-FFF2-40B4-BE49-F238E27FC236}">
-                <a16:creationId xmlns:a16="http://schemas.microsoft.com/office/drawing/2014/main" id="{B029D7D8-5A6B-4C76-94C8-15798C6C5ADB}"/>
-              </a:ext>
-              <a:ext uri="{C183D7F6-B498-43B3-948B-1728B52AA6E4}">
-                <adec:decorative xmlns:adec="http://schemas.microsoft.com/office/drawing/2017/decorative" val="1"/>
+                <a16:creationId xmlns:a16="http://schemas.microsoft.com/office/drawing/2014/main" id="{A22256D0-B977-A3CD-C29C-9B124E9C4F26}"/>
               </a:ext>
             </a:extLst>
           </p:cNvPr>
           <p:cNvPicPr>
-            <a:picLocks noGrp="1" noRot="1" noChangeAspect="1" noMove="1" noResize="1" noEditPoints="1" noAdjustHandles="1" noChangeArrowheads="1" noChangeShapeType="1" noCrop="1"/>
+            <a:picLocks noChangeAspect="1" noChangeArrowheads="1"/>
           </p:cNvPicPr>
-          <p:nvPr>
-            <p:extLst>
-              <p:ext uri="{386F3935-93C4-4BCD-93E2-E3B085C9AB24}">
-                <p16:designElem xmlns:p16="http://schemas.microsoft.com/office/powerpoint/2015/main" val="1"/>
-              </p:ext>
-            </p:extLst>
-          </p:nvPr>
+          <p:nvPr/>
         </p:nvPicPr>
         <p:blipFill rotWithShape="1">
           <a:blip r:embed="rId2">
@@ -7833,165 +9083,13 @@
               </a:ext>
             </a:extLst>
           </a:blip>
-          <a:srcRect t="1538" b="-1538"/>
+          <a:srcRect b="57714"/>
           <a:stretch/>
-        </p:blipFill>
-        <p:spPr bwMode="black">
-          <a:xfrm>
-            <a:off x="0" y="6126480"/>
-            <a:ext cx="12192000" cy="742950"/>
-          </a:xfrm>
-          <a:prstGeom prst="rect">
-            <a:avLst/>
-          </a:prstGeom>
-        </p:spPr>
-      </p:pic>
-      <p:cxnSp>
-        <p:nvCxnSpPr>
-          <p:cNvPr id="75" name="Straight Connector 74">
-            <a:extLst>
-              <a:ext uri="{FF2B5EF4-FFF2-40B4-BE49-F238E27FC236}">
-                <a16:creationId xmlns:a16="http://schemas.microsoft.com/office/drawing/2014/main" id="{A5C9319C-E20D-4884-952F-60B6A58C3E34}"/>
-              </a:ext>
-              <a:ext uri="{C183D7F6-B498-43B3-948B-1728B52AA6E4}">
-                <adec:decorative xmlns:adec="http://schemas.microsoft.com/office/drawing/2017/decorative" val="1"/>
-              </a:ext>
-            </a:extLst>
-          </p:cNvPr>
-          <p:cNvCxnSpPr>
-            <a:cxnSpLocks noGrp="1" noRot="1" noChangeAspect="1" noMove="1" noResize="1" noEditPoints="1" noAdjustHandles="1" noChangeArrowheads="1" noChangeShapeType="1"/>
-          </p:cNvCxnSpPr>
-          <p:nvPr>
-            <p:extLst>
-              <p:ext uri="{386F3935-93C4-4BCD-93E2-E3B085C9AB24}">
-                <p16:designElem xmlns:p16="http://schemas.microsoft.com/office/powerpoint/2015/main" val="1"/>
-              </p:ext>
-            </p:extLst>
-          </p:nvPr>
-        </p:nvCxnSpPr>
-        <p:spPr>
-          <a:xfrm>
-            <a:off x="0" y="6128413"/>
-            <a:ext cx="12192000" cy="0"/>
-          </a:xfrm>
-          <a:prstGeom prst="line">
-            <a:avLst/>
-          </a:prstGeom>
-          <a:ln w="12700">
-            <a:solidFill>
-              <a:srgbClr val="000001">
-                <a:alpha val="20000"/>
-              </a:srgbClr>
-            </a:solidFill>
-          </a:ln>
-        </p:spPr>
-        <p:style>
-          <a:lnRef idx="1">
-            <a:schemeClr val="accent1"/>
-          </a:lnRef>
-          <a:fillRef idx="0">
-            <a:schemeClr val="accent1"/>
-          </a:fillRef>
-          <a:effectRef idx="0">
-            <a:schemeClr val="accent1"/>
-          </a:effectRef>
-          <a:fontRef idx="minor">
-            <a:schemeClr val="tx1"/>
-          </a:fontRef>
-        </p:style>
-      </p:cxnSp>
-      <p:sp useBgFill="1">
-        <p:nvSpPr>
-          <p:cNvPr id="77" name="Rectangle 76">
-            <a:extLst>
-              <a:ext uri="{FF2B5EF4-FFF2-40B4-BE49-F238E27FC236}">
-                <a16:creationId xmlns:a16="http://schemas.microsoft.com/office/drawing/2014/main" id="{62C9703D-C8F9-44AD-A7C0-C2F3871F8C1B}"/>
-              </a:ext>
-              <a:ext uri="{C183D7F6-B498-43B3-948B-1728B52AA6E4}">
-                <adec:decorative xmlns:adec="http://schemas.microsoft.com/office/drawing/2017/decorative" val="1"/>
-              </a:ext>
-            </a:extLst>
-          </p:cNvPr>
-          <p:cNvSpPr>
-            <a:spLocks noGrp="1" noRot="1" noChangeAspect="1" noMove="1" noResize="1" noEditPoints="1" noAdjustHandles="1" noChangeArrowheads="1" noChangeShapeType="1" noTextEdit="1"/>
-          </p:cNvSpPr>
-          <p:nvPr>
-            <p:extLst>
-              <p:ext uri="{386F3935-93C4-4BCD-93E2-E3B085C9AB24}">
-                <p16:designElem xmlns:p16="http://schemas.microsoft.com/office/powerpoint/2015/main" val="1"/>
-              </p:ext>
-            </p:extLst>
-          </p:nvPr>
-        </p:nvSpPr>
-        <p:spPr>
-          <a:xfrm>
-            <a:off x="0" y="0"/>
-            <a:ext cx="12192000" cy="6160168"/>
-          </a:xfrm>
-          <a:prstGeom prst="rect">
-            <a:avLst/>
-          </a:prstGeom>
-          <a:ln>
-            <a:noFill/>
-          </a:ln>
-        </p:spPr>
-        <p:style>
-          <a:lnRef idx="2">
-            <a:schemeClr val="accent1">
-              <a:shade val="50000"/>
-            </a:schemeClr>
-          </a:lnRef>
-          <a:fillRef idx="1">
-            <a:schemeClr val="accent1"/>
-          </a:fillRef>
-          <a:effectRef idx="0">
-            <a:schemeClr val="accent1"/>
-          </a:effectRef>
-          <a:fontRef idx="minor">
-            <a:schemeClr val="lt1"/>
-          </a:fontRef>
-        </p:style>
-        <p:txBody>
-          <a:bodyPr rtlCol="0" anchor="ctr"/>
-          <a:lstStyle/>
-          <a:p>
-            <a:pPr algn="ctr"/>
-            <a:endParaRPr lang="en-US"/>
-          </a:p>
-        </p:txBody>
-      </p:sp>
-      <p:pic>
-        <p:nvPicPr>
-          <p:cNvPr id="4098" name="Picture 2" descr="Weak Learners &amp;amp;amp; Strong Learners for Machine Learning | by Mehmet Akturk |  Medium">
-            <a:extLst>
-              <a:ext uri="{FF2B5EF4-FFF2-40B4-BE49-F238E27FC236}">
-                <a16:creationId xmlns:a16="http://schemas.microsoft.com/office/drawing/2014/main" id="{9EDFC243-2C5E-8D45-B06A-EA1748A159A2}"/>
-              </a:ext>
-            </a:extLst>
-          </p:cNvPr>
-          <p:cNvPicPr>
-            <a:picLocks noGrp="1" noChangeAspect="1" noChangeArrowheads="1"/>
-          </p:cNvPicPr>
-          <p:nvPr>
-            <p:ph idx="1"/>
-          </p:nvPr>
-        </p:nvPicPr>
-        <p:blipFill>
-          <a:blip r:embed="rId3">
-            <a:extLst>
-              <a:ext uri="{28A0092B-C50C-407E-A947-70E740481C1C}">
-                <a14:useLocalDpi xmlns:a14="http://schemas.microsoft.com/office/drawing/2010/main" val="0"/>
-              </a:ext>
-            </a:extLst>
-          </a:blip>
-          <a:stretch>
-            <a:fillRect/>
-          </a:stretch>
         </p:blipFill>
         <p:spPr bwMode="auto">
           <a:xfrm>
-            <a:off x="2711810" y="643467"/>
-            <a:ext cx="6768380" cy="4873234"/>
+            <a:off x="7183846" y="142134"/>
+            <a:ext cx="5008154" cy="1711620"/>
           </a:xfrm>
           <a:prstGeom prst="rect">
             <a:avLst/>
@@ -8011,7 +9109,7 @@
     </p:spTree>
     <p:extLst>
       <p:ext uri="{BB962C8B-B14F-4D97-AF65-F5344CB8AC3E}">
-        <p14:creationId xmlns:p14="http://schemas.microsoft.com/office/powerpoint/2010/main" val="3023026732"/>
+        <p14:creationId xmlns:p14="http://schemas.microsoft.com/office/powerpoint/2010/main" val="3455174501"/>
       </p:ext>
     </p:extLst>
   </p:cSld>
@@ -8043,7 +9141,7 @@
           <p:cNvPr id="2" name="Title 1">
             <a:extLst>
               <a:ext uri="{FF2B5EF4-FFF2-40B4-BE49-F238E27FC236}">
-                <a16:creationId xmlns:a16="http://schemas.microsoft.com/office/drawing/2014/main" id="{D0C40941-8A71-7147-AF6E-BB94DDC1246B}"/>
+                <a16:creationId xmlns:a16="http://schemas.microsoft.com/office/drawing/2014/main" id="{2FFC481B-D2BB-A0CC-D911-BB0B8735E5B0}"/>
               </a:ext>
             </a:extLst>
           </p:cNvPr>
@@ -8061,7 +9159,7 @@
           <a:p>
             <a:r>
               <a:rPr lang="en-US" dirty="0"/>
-              <a:t>Boosting Ensembles</a:t>
+              <a:t>Weak benefits</a:t>
             </a:r>
           </a:p>
         </p:txBody>
@@ -8071,7 +9169,7 @@
           <p:cNvPr id="3" name="Content Placeholder 2">
             <a:extLst>
               <a:ext uri="{FF2B5EF4-FFF2-40B4-BE49-F238E27FC236}">
-                <a16:creationId xmlns:a16="http://schemas.microsoft.com/office/drawing/2014/main" id="{C2F710A9-B2C3-554A-B61D-C9190873FB50}"/>
+                <a16:creationId xmlns:a16="http://schemas.microsoft.com/office/drawing/2014/main" id="{E16EB559-E81A-3A13-AA68-23DC9A761E51}"/>
               </a:ext>
             </a:extLst>
           </p:cNvPr>
@@ -8082,68 +9180,87 @@
             <p:ph idx="1"/>
           </p:nvPr>
         </p:nvSpPr>
-        <p:spPr/>
-        <p:txBody>
-          <a:bodyPr/>
-          <a:lstStyle/>
-          <a:p>
-            <a:r>
-              <a:rPr lang="en-US" dirty="0"/>
-              <a:t>Boosting algorithms take a combination of weak learners and combine them. </a:t>
+        <p:spPr>
+          <a:xfrm>
+            <a:off x="1451579" y="1853754"/>
+            <a:ext cx="9603275" cy="3612591"/>
+          </a:xfrm>
+        </p:spPr>
+        <p:txBody>
+          <a:bodyPr/>
+          <a:lstStyle/>
+          <a:p>
+            <a:r>
+              <a:rPr lang="en-US" dirty="0"/>
+              <a:t>They are fast. </a:t>
+            </a:r>
+          </a:p>
+          <a:p>
+            <a:r>
+              <a:rPr lang="en-US" dirty="0"/>
+              <a:t>They won’t overfit. </a:t>
             </a:r>
           </a:p>
           <a:p>
             <a:pPr lvl="1"/>
             <a:r>
               <a:rPr lang="en-US" dirty="0"/>
-              <a:t>Result is a strong learner. </a:t>
-            </a:r>
-          </a:p>
-          <a:p>
-            <a:r>
-              <a:rPr lang="en-US" dirty="0"/>
-              <a:t>Each step (model) of a boosted algorithm makes the current predictions marginally better. </a:t>
-            </a:r>
-          </a:p>
-          <a:p>
-            <a:r>
-              <a:rPr lang="en-US" dirty="0"/>
-              <a:t>Some of the currently most accurate non-neural network models are ensembles. </a:t>
-            </a:r>
-          </a:p>
-          <a:p>
-            <a:pPr lvl="1"/>
-            <a:r>
-              <a:rPr lang="en-US" dirty="0" err="1"/>
-              <a:t>Xgboost</a:t>
-            </a:r>
-            <a:r>
-              <a:rPr lang="en-US" dirty="0"/>
-              <a:t>, </a:t>
-            </a:r>
-            <a:r>
-              <a:rPr lang="en-US" dirty="0" err="1"/>
-              <a:t>lightgbm</a:t>
-            </a:r>
-            <a:r>
-              <a:rPr lang="en-US" dirty="0"/>
-              <a:t>, </a:t>
-            </a:r>
-            <a:r>
-              <a:rPr lang="en-US" dirty="0" err="1"/>
-              <a:t>etc</a:t>
-            </a:r>
-            <a:r>
-              <a:rPr lang="en-US" dirty="0"/>
-              <a:t>…</a:t>
-            </a:r>
-          </a:p>
-        </p:txBody>
-      </p:sp>
+              <a:t>Think of a tree – one with only 2 levels can only make decisions based on a couple of things. It lacks the ability to adapt enough to training data to overfit. </a:t>
+            </a:r>
+          </a:p>
+        </p:txBody>
+      </p:sp>
+      <p:pic>
+        <p:nvPicPr>
+          <p:cNvPr id="4098" name="Picture 2" descr="Lecture 12: Bias Variance Tradeoff">
+            <a:extLst>
+              <a:ext uri="{FF2B5EF4-FFF2-40B4-BE49-F238E27FC236}">
+                <a16:creationId xmlns:a16="http://schemas.microsoft.com/office/drawing/2014/main" id="{26BB8FEC-49E8-363F-5429-E93B66C0F5A1}"/>
+              </a:ext>
+            </a:extLst>
+          </p:cNvPr>
+          <p:cNvPicPr>
+            <a:picLocks noChangeAspect="1" noChangeArrowheads="1"/>
+          </p:cNvPicPr>
+          <p:nvPr/>
+        </p:nvPicPr>
+        <p:blipFill>
+          <a:blip r:embed="rId2">
+            <a:extLst>
+              <a:ext uri="{28A0092B-C50C-407E-A947-70E740481C1C}">
+                <a14:useLocalDpi xmlns:a14="http://schemas.microsoft.com/office/drawing/2010/main" val="0"/>
+              </a:ext>
+            </a:extLst>
+          </a:blip>
+          <a:srcRect/>
+          <a:stretch>
+            <a:fillRect/>
+          </a:stretch>
+        </p:blipFill>
+        <p:spPr bwMode="auto">
+          <a:xfrm>
+            <a:off x="4056479" y="4086687"/>
+            <a:ext cx="4393474" cy="2759316"/>
+          </a:xfrm>
+          <a:prstGeom prst="rect">
+            <a:avLst/>
+          </a:prstGeom>
+          <a:noFill/>
+          <a:extLst>
+            <a:ext uri="{909E8E84-426E-40DD-AFC4-6F175D3DCCD1}">
+              <a14:hiddenFill xmlns:a14="http://schemas.microsoft.com/office/drawing/2010/main">
+                <a:solidFill>
+                  <a:srgbClr val="FFFFFF"/>
+                </a:solidFill>
+              </a14:hiddenFill>
+            </a:ext>
+          </a:extLst>
+        </p:spPr>
+      </p:pic>
     </p:spTree>
     <p:extLst>
       <p:ext uri="{BB962C8B-B14F-4D97-AF65-F5344CB8AC3E}">
-        <p14:creationId xmlns:p14="http://schemas.microsoft.com/office/powerpoint/2010/main" val="401829261"/>
+        <p14:creationId xmlns:p14="http://schemas.microsoft.com/office/powerpoint/2010/main" val="3057026416"/>
       </p:ext>
     </p:extLst>
   </p:cSld>
@@ -8175,7 +9292,7 @@
           <p:cNvPr id="2" name="Title 1">
             <a:extLst>
               <a:ext uri="{FF2B5EF4-FFF2-40B4-BE49-F238E27FC236}">
-                <a16:creationId xmlns:a16="http://schemas.microsoft.com/office/drawing/2014/main" id="{9C433BE5-B67E-9341-8765-70A34033B7E7}"/>
+                <a16:creationId xmlns:a16="http://schemas.microsoft.com/office/drawing/2014/main" id="{43BB6995-CCCC-6041-87EE-F28BC90619EB}"/>
               </a:ext>
             </a:extLst>
           </p:cNvPr>
@@ -8193,7 +9310,7 @@
           <a:p>
             <a:r>
               <a:rPr lang="en-US" dirty="0"/>
-              <a:t>Boosting Implementation</a:t>
+              <a:t>From Weak to Strong</a:t>
             </a:r>
           </a:p>
         </p:txBody>
@@ -8203,7 +9320,7 @@
           <p:cNvPr id="3" name="Content Placeholder 2">
             <a:extLst>
               <a:ext uri="{FF2B5EF4-FFF2-40B4-BE49-F238E27FC236}">
-                <a16:creationId xmlns:a16="http://schemas.microsoft.com/office/drawing/2014/main" id="{AADBB7E1-E00E-7148-AAF5-DC6B22E9FFFA}"/>
+                <a16:creationId xmlns:a16="http://schemas.microsoft.com/office/drawing/2014/main" id="{0FF87519-AF29-8146-B158-D076F361F1E0}"/>
               </a:ext>
             </a:extLst>
           </p:cNvPr>
@@ -8216,70 +9333,64 @@
         </p:nvSpPr>
         <p:spPr>
           <a:xfrm>
-            <a:off x="1451579" y="2015732"/>
-            <a:ext cx="9603275" cy="4150892"/>
+            <a:off x="1451579" y="1853754"/>
+            <a:ext cx="9603275" cy="4199727"/>
           </a:xfrm>
         </p:spPr>
         <p:txBody>
-          <a:bodyPr/>
-          <a:lstStyle/>
-          <a:p>
-            <a:r>
-              <a:rPr lang="en-US" dirty="0"/>
-              <a:t>Like bagging, boosting can theoretically be used with many base estimators. </a:t>
+          <a:bodyPr>
+            <a:normAutofit fontScale="92500"/>
+          </a:bodyPr>
+          <a:lstStyle/>
+          <a:p>
+            <a:r>
+              <a:rPr lang="en-US" sz="2400" dirty="0"/>
+              <a:t>Boosting algorithms create a strong learner from many weak ones. </a:t>
+            </a:r>
+          </a:p>
+          <a:p>
+            <a:r>
+              <a:rPr lang="en-US" sz="2400" dirty="0"/>
+              <a:t>Each learner contributes a little, subsequent ones focus on the mistakes. </a:t>
+            </a:r>
+          </a:p>
+          <a:p>
+            <a:r>
+              <a:rPr lang="en-US" sz="2400" dirty="0"/>
+              <a:t>Each learner does a slightly different thing, compensating others’ weaknesses. </a:t>
             </a:r>
           </a:p>
           <a:p>
             <a:pPr lvl="1"/>
             <a:r>
-              <a:rPr lang="en-US" dirty="0"/>
-              <a:t>Need to be fast, and not overfit. </a:t>
-            </a:r>
-          </a:p>
-          <a:p>
-            <a:r>
-              <a:rPr lang="en-US" dirty="0"/>
-              <a:t>Trees are by far the most common estimators.</a:t>
+              <a:rPr lang="en-US" sz="2200" dirty="0"/>
+              <a:t>One model doesn’t “learn everything”, so they don’t overfit. </a:t>
+            </a:r>
+          </a:p>
+          <a:p>
+            <a:r>
+              <a:rPr lang="en-US" sz="2400" dirty="0"/>
+              <a:t>Boosted models:</a:t>
             </a:r>
           </a:p>
           <a:p>
             <a:pPr lvl="1"/>
             <a:r>
-              <a:rPr lang="en-US" dirty="0"/>
-              <a:t>Regression/classification base trees allow for boosting to do each. </a:t>
-            </a:r>
-          </a:p>
-          <a:p>
-            <a:r>
-              <a:rPr lang="en-US" dirty="0"/>
-              <a:t>Boosting generally reduces BOTH bias and variance. </a:t>
+              <a:rPr lang="en-US" sz="2000" dirty="0"/>
+              <a:t>Provide ability to capture variance with many “steps” – i.e. each model. </a:t>
             </a:r>
           </a:p>
           <a:p>
             <a:pPr lvl="1"/>
             <a:r>
-              <a:rPr lang="en-US" dirty="0"/>
-              <a:t>i.e. it is better fitted to data, but less likely to be overfitted. </a:t>
-            </a:r>
-          </a:p>
-          <a:p>
-            <a:r>
-              <a:rPr lang="en-US" dirty="0"/>
-              <a:t>Boosting has a small risk of reducing performance, mostly on very noisy datasets. </a:t>
-            </a:r>
-          </a:p>
-          <a:p>
-            <a:pPr lvl="1"/>
-            <a:r>
-              <a:rPr lang="en-US" dirty="0"/>
-              <a:t>Bagging rarely hurts performance, but tends to have less benefit than boosting. </a:t>
-            </a:r>
-          </a:p>
-          <a:p>
-            <a:pPr lvl="1"/>
-            <a:r>
-              <a:rPr lang="en-US" dirty="0"/>
-              <a:t>(Roughly) noise can cause the model to try to correct the error of the “errors” (noise). </a:t>
+              <a:rPr lang="en-US" sz="2000" dirty="0"/>
+              <a:t>Prevent excessive overfitting by having simple models, and targeting current error. </a:t>
+            </a:r>
+          </a:p>
+          <a:p>
+            <a:r>
+              <a:rPr lang="en-US" sz="2400" dirty="0"/>
+              <a:t>New boosted models (within last 10 year or so) are very good. </a:t>
             </a:r>
           </a:p>
         </p:txBody>
@@ -8287,7 +9398,7 @@
     </p:spTree>
     <p:extLst>
       <p:ext uri="{BB962C8B-B14F-4D97-AF65-F5344CB8AC3E}">
-        <p14:creationId xmlns:p14="http://schemas.microsoft.com/office/powerpoint/2010/main" val="1832023836"/>
+        <p14:creationId xmlns:p14="http://schemas.microsoft.com/office/powerpoint/2010/main" val="2106624626"/>
       </p:ext>
     </p:extLst>
   </p:cSld>

--- a/reference_content/Slides/boosting.pptx
+++ b/reference_content/Slides/boosting.pptx
@@ -40,6 +40,10 @@
     <p:sldId id="265" r:id="rId34"/>
     <p:sldId id="272" r:id="rId35"/>
     <p:sldId id="264" r:id="rId36"/>
+    <p:sldId id="291" r:id="rId37"/>
+    <p:sldId id="292" r:id="rId38"/>
+    <p:sldId id="293" r:id="rId39"/>
+    <p:sldId id="294" r:id="rId40"/>
   </p:sldIdLst>
   <p:sldSz cx="12192000" cy="6858000"/>
   <p:notesSz cx="6858000" cy="9144000"/>
@@ -8457,6 +8461,1079 @@
 </p:sld>
 </file>
 
+<file path=ppt/slides/slide36.xml><?xml version="1.0" encoding="utf-8"?>
+<p:sld xmlns:a="http://schemas.openxmlformats.org/drawingml/2006/main" xmlns:r="http://schemas.openxmlformats.org/officeDocument/2006/relationships" xmlns:p="http://schemas.openxmlformats.org/presentationml/2006/main">
+  <p:cSld>
+    <p:bg>
+      <p:bgPr>
+        <a:gradFill rotWithShape="1">
+          <a:gsLst>
+            <a:gs pos="0">
+              <a:schemeClr val="bg2">
+                <a:tint val="94000"/>
+                <a:satMod val="80000"/>
+                <a:lumMod val="106000"/>
+              </a:schemeClr>
+            </a:gs>
+            <a:gs pos="100000">
+              <a:schemeClr val="bg2">
+                <a:shade val="80000"/>
+              </a:schemeClr>
+            </a:gs>
+          </a:gsLst>
+          <a:path path="circle">
+            <a:fillToRect l="43000" r="43000" b="100000"/>
+          </a:path>
+        </a:gradFill>
+        <a:effectLst/>
+      </p:bgPr>
+    </p:bg>
+    <p:spTree>
+      <p:nvGrpSpPr>
+        <p:cNvPr id="1" name=""/>
+        <p:cNvGrpSpPr/>
+        <p:nvPr/>
+      </p:nvGrpSpPr>
+      <p:grpSpPr>
+        <a:xfrm>
+          <a:off x="0" y="0"/>
+          <a:ext cx="0" cy="0"/>
+          <a:chOff x="0" y="0"/>
+          <a:chExt cx="0" cy="0"/>
+        </a:xfrm>
+      </p:grpSpPr>
+      <p:sp>
+        <p:nvSpPr>
+          <p:cNvPr id="2" name="Title 1">
+            <a:extLst>
+              <a:ext uri="{FF2B5EF4-FFF2-40B4-BE49-F238E27FC236}">
+                <a16:creationId xmlns:a16="http://schemas.microsoft.com/office/drawing/2014/main" id="{C89C02AA-7E50-5F96-25CC-083813B50939}"/>
+              </a:ext>
+            </a:extLst>
+          </p:cNvPr>
+          <p:cNvSpPr>
+            <a:spLocks noGrp="1"/>
+          </p:cNvSpPr>
+          <p:nvPr>
+            <p:ph type="title"/>
+          </p:nvPr>
+        </p:nvSpPr>
+        <p:spPr>
+          <a:xfrm>
+            <a:off x="1451579" y="804519"/>
+            <a:ext cx="9603275" cy="1049235"/>
+          </a:xfrm>
+        </p:spPr>
+        <p:txBody>
+          <a:bodyPr>
+            <a:normAutofit/>
+          </a:bodyPr>
+          <a:lstStyle/>
+          <a:p>
+            <a:r>
+              <a:rPr lang="en-US"/>
+              <a:t>Step-By-Step</a:t>
+            </a:r>
+            <a:endParaRPr lang="en-US" dirty="0"/>
+          </a:p>
+        </p:txBody>
+      </p:sp>
+      <p:sp>
+        <p:nvSpPr>
+          <p:cNvPr id="3" name="Content Placeholder 2">
+            <a:extLst>
+              <a:ext uri="{FF2B5EF4-FFF2-40B4-BE49-F238E27FC236}">
+                <a16:creationId xmlns:a16="http://schemas.microsoft.com/office/drawing/2014/main" id="{9A8E605F-2928-B585-1B8D-7D567FCCAE05}"/>
+              </a:ext>
+            </a:extLst>
+          </p:cNvPr>
+          <p:cNvSpPr>
+            <a:spLocks noGrp="1"/>
+          </p:cNvSpPr>
+          <p:nvPr>
+            <p:ph idx="1"/>
+          </p:nvPr>
+        </p:nvSpPr>
+        <p:spPr>
+          <a:xfrm>
+            <a:off x="0" y="1853754"/>
+            <a:ext cx="5717267" cy="4273669"/>
+          </a:xfrm>
+        </p:spPr>
+        <p:txBody>
+          <a:bodyPr>
+            <a:normAutofit fontScale="92500" lnSpcReduction="10000"/>
+          </a:bodyPr>
+          <a:lstStyle/>
+          <a:p>
+            <a:r>
+              <a:rPr lang="en-US" dirty="0"/>
+              <a:t>The model starts with an estimate of the mean, for all records. In this case it is 10. </a:t>
+            </a:r>
+          </a:p>
+          <a:p>
+            <a:r>
+              <a:rPr lang="en-US" dirty="0"/>
+              <a:t>The first model in the ensemble is fitted:</a:t>
+            </a:r>
+          </a:p>
+          <a:p>
+            <a:pPr lvl="1"/>
+            <a:r>
+              <a:rPr lang="en-US" dirty="0"/>
+              <a:t>Assume this one is only 2 layers deep – 1 split. </a:t>
+            </a:r>
+          </a:p>
+          <a:p>
+            <a:pPr lvl="1"/>
+            <a:r>
+              <a:rPr lang="en-US" dirty="0"/>
+              <a:t>Real ones are normally 3 levels, so 8 nodes. </a:t>
+            </a:r>
+          </a:p>
+          <a:p>
+            <a:r>
+              <a:rPr lang="en-US" dirty="0"/>
+              <a:t>The split is at X = 50:</a:t>
+            </a:r>
+          </a:p>
+          <a:p>
+            <a:pPr lvl="1"/>
+            <a:r>
+              <a:rPr lang="en-US" dirty="0"/>
+              <a:t>If above 50, add ~5. </a:t>
+            </a:r>
+          </a:p>
+          <a:p>
+            <a:pPr lvl="1"/>
+            <a:r>
+              <a:rPr lang="en-US" dirty="0"/>
+              <a:t>If below 50, subtract ~5. </a:t>
+            </a:r>
+          </a:p>
+          <a:p>
+            <a:r>
+              <a:rPr lang="en-US" dirty="0"/>
+              <a:t>Now the prediction is 10 + the adjustment. </a:t>
+            </a:r>
+          </a:p>
+          <a:p>
+            <a:pPr lvl="1"/>
+            <a:r>
+              <a:rPr lang="en-US" dirty="0"/>
+              <a:t>+/- 5 depending on which side of 50 it is. </a:t>
+            </a:r>
+          </a:p>
+          <a:p>
+            <a:pPr lvl="1"/>
+            <a:r>
+              <a:rPr lang="en-US" dirty="0"/>
+              <a:t>This “bumps” the model closer to the data…</a:t>
+            </a:r>
+          </a:p>
+        </p:txBody>
+      </p:sp>
+      <p:pic>
+        <p:nvPicPr>
+          <p:cNvPr id="4" name="Picture 3">
+            <a:extLst>
+              <a:ext uri="{FF2B5EF4-FFF2-40B4-BE49-F238E27FC236}">
+                <a16:creationId xmlns:a16="http://schemas.microsoft.com/office/drawing/2014/main" id="{CF10282E-7EC4-9B40-2A48-64C6F876ADC3}"/>
+              </a:ext>
+            </a:extLst>
+          </p:cNvPr>
+          <p:cNvPicPr>
+            <a:picLocks noChangeAspect="1"/>
+          </p:cNvPicPr>
+          <p:nvPr/>
+        </p:nvPicPr>
+        <p:blipFill rotWithShape="1">
+          <a:blip r:embed="rId2"/>
+          <a:srcRect l="2910" r="3992"/>
+          <a:stretch/>
+        </p:blipFill>
+        <p:spPr>
+          <a:xfrm>
+            <a:off x="5717267" y="1433296"/>
+            <a:ext cx="6474734" cy="5424704"/>
+          </a:xfrm>
+          <a:prstGeom prst="rect">
+            <a:avLst/>
+          </a:prstGeom>
+        </p:spPr>
+      </p:pic>
+    </p:spTree>
+    <p:extLst>
+      <p:ext uri="{BB962C8B-B14F-4D97-AF65-F5344CB8AC3E}">
+        <p14:creationId xmlns:p14="http://schemas.microsoft.com/office/powerpoint/2010/main" val="527928141"/>
+      </p:ext>
+    </p:extLst>
+  </p:cSld>
+  <p:clrMapOvr>
+    <a:masterClrMapping/>
+  </p:clrMapOvr>
+</p:sld>
+</file>
+
+<file path=ppt/slides/slide37.xml><?xml version="1.0" encoding="utf-8"?>
+<p:sld xmlns:a="http://schemas.openxmlformats.org/drawingml/2006/main" xmlns:r="http://schemas.openxmlformats.org/officeDocument/2006/relationships" xmlns:p="http://schemas.openxmlformats.org/presentationml/2006/main">
+  <p:cSld>
+    <p:bg>
+      <p:bgPr>
+        <a:gradFill rotWithShape="1">
+          <a:gsLst>
+            <a:gs pos="0">
+              <a:schemeClr val="bg2">
+                <a:tint val="94000"/>
+                <a:satMod val="80000"/>
+                <a:lumMod val="106000"/>
+              </a:schemeClr>
+            </a:gs>
+            <a:gs pos="100000">
+              <a:schemeClr val="bg2">
+                <a:shade val="80000"/>
+              </a:schemeClr>
+            </a:gs>
+          </a:gsLst>
+          <a:path path="circle">
+            <a:fillToRect l="43000" r="43000" b="100000"/>
+          </a:path>
+        </a:gradFill>
+        <a:effectLst/>
+      </p:bgPr>
+    </p:bg>
+    <p:spTree>
+      <p:nvGrpSpPr>
+        <p:cNvPr id="1" name=""/>
+        <p:cNvGrpSpPr/>
+        <p:nvPr/>
+      </p:nvGrpSpPr>
+      <p:grpSpPr>
+        <a:xfrm>
+          <a:off x="0" y="0"/>
+          <a:ext cx="0" cy="0"/>
+          <a:chOff x="0" y="0"/>
+          <a:chExt cx="0" cy="0"/>
+        </a:xfrm>
+      </p:grpSpPr>
+      <p:sp>
+        <p:nvSpPr>
+          <p:cNvPr id="2" name="Title 1">
+            <a:extLst>
+              <a:ext uri="{FF2B5EF4-FFF2-40B4-BE49-F238E27FC236}">
+                <a16:creationId xmlns:a16="http://schemas.microsoft.com/office/drawing/2014/main" id="{971FCC49-BB29-35AC-1C82-E7CA288825A2}"/>
+              </a:ext>
+            </a:extLst>
+          </p:cNvPr>
+          <p:cNvSpPr>
+            <a:spLocks noGrp="1"/>
+          </p:cNvSpPr>
+          <p:nvPr>
+            <p:ph type="title"/>
+          </p:nvPr>
+        </p:nvSpPr>
+        <p:spPr>
+          <a:xfrm>
+            <a:off x="1451579" y="804519"/>
+            <a:ext cx="9603275" cy="1049235"/>
+          </a:xfrm>
+        </p:spPr>
+        <p:txBody>
+          <a:bodyPr>
+            <a:normAutofit/>
+          </a:bodyPr>
+          <a:lstStyle/>
+          <a:p>
+            <a:r>
+              <a:rPr lang="en-US" dirty="0"/>
+              <a:t>Next Step…</a:t>
+            </a:r>
+          </a:p>
+        </p:txBody>
+      </p:sp>
+      <p:sp>
+        <p:nvSpPr>
+          <p:cNvPr id="3" name="Content Placeholder 2">
+            <a:extLst>
+              <a:ext uri="{FF2B5EF4-FFF2-40B4-BE49-F238E27FC236}">
+                <a16:creationId xmlns:a16="http://schemas.microsoft.com/office/drawing/2014/main" id="{F0325FAA-3D40-A7E9-9FBD-C014098A1063}"/>
+              </a:ext>
+            </a:extLst>
+          </p:cNvPr>
+          <p:cNvSpPr>
+            <a:spLocks noGrp="1"/>
+          </p:cNvSpPr>
+          <p:nvPr>
+            <p:ph idx="1"/>
+          </p:nvPr>
+        </p:nvSpPr>
+        <p:spPr>
+          <a:xfrm>
+            <a:off x="0" y="2015734"/>
+            <a:ext cx="5916183" cy="4037747"/>
+          </a:xfrm>
+        </p:spPr>
+        <p:txBody>
+          <a:bodyPr>
+            <a:normAutofit/>
+          </a:bodyPr>
+          <a:lstStyle/>
+          <a:p>
+            <a:r>
+              <a:rPr lang="en-US" dirty="0"/>
+              <a:t>Now the new residuals are calculated from the original residuals from last round. </a:t>
+            </a:r>
+          </a:p>
+          <a:p>
+            <a:r>
+              <a:rPr lang="en-US" dirty="0"/>
+              <a:t>Assume the split here is at  </a:t>
+            </a:r>
+            <a:r>
+              <a:rPr lang="en-US" dirty="0" err="1"/>
+              <a:t>apx</a:t>
+            </a:r>
+            <a:r>
+              <a:rPr lang="en-US" dirty="0"/>
+              <a:t>. X=5. </a:t>
+            </a:r>
+          </a:p>
+          <a:p>
+            <a:pPr lvl="1"/>
+            <a:r>
+              <a:rPr lang="en-US" dirty="0"/>
+              <a:t>If &lt; 5, then subtract 10. </a:t>
+            </a:r>
+          </a:p>
+          <a:p>
+            <a:pPr lvl="1"/>
+            <a:r>
+              <a:rPr lang="en-US" dirty="0"/>
+              <a:t>If &gt;5, then add nothing. </a:t>
+            </a:r>
+          </a:p>
+          <a:p>
+            <a:r>
+              <a:rPr lang="en-US" dirty="0"/>
+              <a:t>The prediction is now 10 (the mean):</a:t>
+            </a:r>
+          </a:p>
+          <a:p>
+            <a:pPr lvl="1"/>
+            <a:r>
+              <a:rPr lang="en-US" dirty="0"/>
+              <a:t>+ 5 if &lt; 50, -5 if more than 50. </a:t>
+            </a:r>
+          </a:p>
+          <a:p>
+            <a:pPr lvl="1"/>
+            <a:r>
+              <a:rPr lang="en-US" dirty="0"/>
+              <a:t>-10 if &lt; 5, +0 if more than 5. </a:t>
+            </a:r>
+          </a:p>
+          <a:p>
+            <a:endParaRPr lang="en-US" dirty="0"/>
+          </a:p>
+        </p:txBody>
+      </p:sp>
+      <p:pic>
+        <p:nvPicPr>
+          <p:cNvPr id="4" name="Picture 3">
+            <a:extLst>
+              <a:ext uri="{FF2B5EF4-FFF2-40B4-BE49-F238E27FC236}">
+                <a16:creationId xmlns:a16="http://schemas.microsoft.com/office/drawing/2014/main" id="{66688BC0-5D78-C7A6-D96B-22AF4374ABA6}"/>
+              </a:ext>
+            </a:extLst>
+          </p:cNvPr>
+          <p:cNvPicPr>
+            <a:picLocks noChangeAspect="1"/>
+          </p:cNvPicPr>
+          <p:nvPr/>
+        </p:nvPicPr>
+        <p:blipFill rotWithShape="1">
+          <a:blip r:embed="rId2"/>
+          <a:srcRect l="2910" r="3992"/>
+          <a:stretch/>
+        </p:blipFill>
+        <p:spPr>
+          <a:xfrm>
+            <a:off x="5916183" y="1553634"/>
+            <a:ext cx="6331101" cy="5304366"/>
+          </a:xfrm>
+          <a:prstGeom prst="rect">
+            <a:avLst/>
+          </a:prstGeom>
+        </p:spPr>
+      </p:pic>
+    </p:spTree>
+    <p:extLst>
+      <p:ext uri="{BB962C8B-B14F-4D97-AF65-F5344CB8AC3E}">
+        <p14:creationId xmlns:p14="http://schemas.microsoft.com/office/powerpoint/2010/main" val="2302234206"/>
+      </p:ext>
+    </p:extLst>
+  </p:cSld>
+  <p:clrMapOvr>
+    <a:masterClrMapping/>
+  </p:clrMapOvr>
+</p:sld>
+</file>
+
+<file path=ppt/slides/slide38.xml><?xml version="1.0" encoding="utf-8"?>
+<p:sld xmlns:a="http://schemas.openxmlformats.org/drawingml/2006/main" xmlns:r="http://schemas.openxmlformats.org/officeDocument/2006/relationships" xmlns:p="http://schemas.openxmlformats.org/presentationml/2006/main">
+  <p:cSld>
+    <p:bg>
+      <p:bgPr>
+        <a:gradFill rotWithShape="1">
+          <a:gsLst>
+            <a:gs pos="0">
+              <a:schemeClr val="bg2">
+                <a:tint val="94000"/>
+                <a:satMod val="80000"/>
+                <a:lumMod val="106000"/>
+              </a:schemeClr>
+            </a:gs>
+            <a:gs pos="100000">
+              <a:schemeClr val="bg2">
+                <a:shade val="80000"/>
+              </a:schemeClr>
+            </a:gs>
+          </a:gsLst>
+          <a:path path="circle">
+            <a:fillToRect l="43000" r="43000" b="100000"/>
+          </a:path>
+        </a:gradFill>
+        <a:effectLst/>
+      </p:bgPr>
+    </p:bg>
+    <p:spTree>
+      <p:nvGrpSpPr>
+        <p:cNvPr id="1" name=""/>
+        <p:cNvGrpSpPr/>
+        <p:nvPr/>
+      </p:nvGrpSpPr>
+      <p:grpSpPr>
+        <a:xfrm>
+          <a:off x="0" y="0"/>
+          <a:ext cx="0" cy="0"/>
+          <a:chOff x="0" y="0"/>
+          <a:chExt cx="0" cy="0"/>
+        </a:xfrm>
+      </p:grpSpPr>
+      <p:sp>
+        <p:nvSpPr>
+          <p:cNvPr id="2" name="Title 1">
+            <a:extLst>
+              <a:ext uri="{FF2B5EF4-FFF2-40B4-BE49-F238E27FC236}">
+                <a16:creationId xmlns:a16="http://schemas.microsoft.com/office/drawing/2014/main" id="{08EC787E-7185-6634-7747-D1DC32D13715}"/>
+              </a:ext>
+            </a:extLst>
+          </p:cNvPr>
+          <p:cNvSpPr>
+            <a:spLocks noGrp="1"/>
+          </p:cNvSpPr>
+          <p:nvPr>
+            <p:ph type="title"/>
+          </p:nvPr>
+        </p:nvSpPr>
+        <p:spPr>
+          <a:xfrm>
+            <a:off x="1451579" y="804519"/>
+            <a:ext cx="9603275" cy="1049235"/>
+          </a:xfrm>
+        </p:spPr>
+        <p:txBody>
+          <a:bodyPr>
+            <a:normAutofit/>
+          </a:bodyPr>
+          <a:lstStyle/>
+          <a:p>
+            <a:r>
+              <a:rPr lang="en-US" dirty="0"/>
+              <a:t>One More Step…</a:t>
+            </a:r>
+          </a:p>
+        </p:txBody>
+      </p:sp>
+      <p:sp>
+        <p:nvSpPr>
+          <p:cNvPr id="3" name="Content Placeholder 2">
+            <a:extLst>
+              <a:ext uri="{FF2B5EF4-FFF2-40B4-BE49-F238E27FC236}">
+                <a16:creationId xmlns:a16="http://schemas.microsoft.com/office/drawing/2014/main" id="{D274C6BB-BD49-D8FC-8D5F-83FEEB0B7253}"/>
+              </a:ext>
+            </a:extLst>
+          </p:cNvPr>
+          <p:cNvSpPr>
+            <a:spLocks noGrp="1"/>
+          </p:cNvSpPr>
+          <p:nvPr>
+            <p:ph idx="1"/>
+          </p:nvPr>
+        </p:nvSpPr>
+        <p:spPr>
+          <a:xfrm>
+            <a:off x="0" y="1853754"/>
+            <a:ext cx="5299537" cy="4199727"/>
+          </a:xfrm>
+        </p:spPr>
+        <p:txBody>
+          <a:bodyPr>
+            <a:normAutofit/>
+          </a:bodyPr>
+          <a:lstStyle/>
+          <a:p>
+            <a:r>
+              <a:rPr lang="en-US" dirty="0"/>
+              <a:t>Measure the residuals of residuals again…</a:t>
+            </a:r>
+          </a:p>
+          <a:p>
+            <a:r>
+              <a:rPr lang="en-US" dirty="0"/>
+              <a:t>Suppose the next split is at x=30:</a:t>
+            </a:r>
+          </a:p>
+          <a:p>
+            <a:pPr lvl="1"/>
+            <a:r>
+              <a:rPr lang="en-US" dirty="0"/>
+              <a:t>If &lt; 30, +2.5 </a:t>
+            </a:r>
+          </a:p>
+          <a:p>
+            <a:pPr lvl="1"/>
+            <a:r>
+              <a:rPr lang="en-US" dirty="0"/>
+              <a:t>If &lt;30, -2.5</a:t>
+            </a:r>
+          </a:p>
+          <a:p>
+            <a:r>
+              <a:rPr lang="en-US" dirty="0"/>
+              <a:t>This adjustment is chained onto the prediction.</a:t>
+            </a:r>
+          </a:p>
+          <a:p>
+            <a:r>
+              <a:rPr lang="en-US" dirty="0"/>
+              <a:t>We end up with a series of adjustments from the mean, each conditional on the X values.</a:t>
+            </a:r>
+          </a:p>
+          <a:p>
+            <a:pPr lvl="1"/>
+            <a:r>
+              <a:rPr lang="en-US" dirty="0"/>
+              <a:t>The naïve prediction is just the mean. </a:t>
+            </a:r>
+          </a:p>
+          <a:p>
+            <a:pPr lvl="1"/>
+            <a:r>
+              <a:rPr lang="en-US" dirty="0"/>
+              <a:t>Each model’s correction fits the data better. </a:t>
+            </a:r>
+          </a:p>
+        </p:txBody>
+      </p:sp>
+      <p:pic>
+        <p:nvPicPr>
+          <p:cNvPr id="4" name="Picture 3">
+            <a:extLst>
+              <a:ext uri="{FF2B5EF4-FFF2-40B4-BE49-F238E27FC236}">
+                <a16:creationId xmlns:a16="http://schemas.microsoft.com/office/drawing/2014/main" id="{5B84B139-6755-71EE-71C9-5484AE3E9CED}"/>
+              </a:ext>
+            </a:extLst>
+          </p:cNvPr>
+          <p:cNvPicPr>
+            <a:picLocks noChangeAspect="1"/>
+          </p:cNvPicPr>
+          <p:nvPr/>
+        </p:nvPicPr>
+        <p:blipFill>
+          <a:blip r:embed="rId2"/>
+          <a:stretch>
+            <a:fillRect/>
+          </a:stretch>
+        </p:blipFill>
+        <p:spPr>
+          <a:xfrm>
+            <a:off x="5299537" y="0"/>
+            <a:ext cx="6892463" cy="6858000"/>
+          </a:xfrm>
+          <a:prstGeom prst="rect">
+            <a:avLst/>
+          </a:prstGeom>
+        </p:spPr>
+      </p:pic>
+    </p:spTree>
+    <p:extLst>
+      <p:ext uri="{BB962C8B-B14F-4D97-AF65-F5344CB8AC3E}">
+        <p14:creationId xmlns:p14="http://schemas.microsoft.com/office/powerpoint/2010/main" val="2290371278"/>
+      </p:ext>
+    </p:extLst>
+  </p:cSld>
+  <p:clrMapOvr>
+    <a:masterClrMapping/>
+  </p:clrMapOvr>
+</p:sld>
+</file>
+
+<file path=ppt/slides/slide39.xml><?xml version="1.0" encoding="utf-8"?>
+<p:sld xmlns:a="http://schemas.openxmlformats.org/drawingml/2006/main" xmlns:r="http://schemas.openxmlformats.org/officeDocument/2006/relationships" xmlns:p="http://schemas.openxmlformats.org/presentationml/2006/main">
+  <p:cSld>
+    <p:bg>
+      <p:bgPr>
+        <a:gradFill rotWithShape="1">
+          <a:gsLst>
+            <a:gs pos="0">
+              <a:schemeClr val="bg2">
+                <a:tint val="94000"/>
+                <a:satMod val="80000"/>
+                <a:lumMod val="106000"/>
+              </a:schemeClr>
+            </a:gs>
+            <a:gs pos="100000">
+              <a:schemeClr val="bg2">
+                <a:shade val="80000"/>
+              </a:schemeClr>
+            </a:gs>
+          </a:gsLst>
+          <a:path path="circle">
+            <a:fillToRect l="43000" r="43000" b="100000"/>
+          </a:path>
+        </a:gradFill>
+        <a:effectLst/>
+      </p:bgPr>
+    </p:bg>
+    <p:spTree>
+      <p:nvGrpSpPr>
+        <p:cNvPr id="1" name=""/>
+        <p:cNvGrpSpPr/>
+        <p:nvPr/>
+      </p:nvGrpSpPr>
+      <p:grpSpPr>
+        <a:xfrm>
+          <a:off x="0" y="0"/>
+          <a:ext cx="0" cy="0"/>
+          <a:chOff x="0" y="0"/>
+          <a:chExt cx="0" cy="0"/>
+        </a:xfrm>
+      </p:grpSpPr>
+      <p:sp>
+        <p:nvSpPr>
+          <p:cNvPr id="2" name="Title 1">
+            <a:extLst>
+              <a:ext uri="{FF2B5EF4-FFF2-40B4-BE49-F238E27FC236}">
+                <a16:creationId xmlns:a16="http://schemas.microsoft.com/office/drawing/2014/main" id="{11756325-4834-B37B-51FE-823DCFEE1CC6}"/>
+              </a:ext>
+            </a:extLst>
+          </p:cNvPr>
+          <p:cNvSpPr>
+            <a:spLocks noGrp="1"/>
+          </p:cNvSpPr>
+          <p:nvPr>
+            <p:ph type="title"/>
+          </p:nvPr>
+        </p:nvSpPr>
+        <p:spPr>
+          <a:xfrm>
+            <a:off x="1451579" y="804519"/>
+            <a:ext cx="9603275" cy="1049235"/>
+          </a:xfrm>
+        </p:spPr>
+        <p:txBody>
+          <a:bodyPr>
+            <a:normAutofit/>
+          </a:bodyPr>
+          <a:lstStyle/>
+          <a:p>
+            <a:r>
+              <a:rPr lang="en-US" dirty="0"/>
+              <a:t>Results</a:t>
+            </a:r>
+          </a:p>
+        </p:txBody>
+      </p:sp>
+      <p:sp>
+        <p:nvSpPr>
+          <p:cNvPr id="3" name="Content Placeholder 2">
+            <a:extLst>
+              <a:ext uri="{FF2B5EF4-FFF2-40B4-BE49-F238E27FC236}">
+                <a16:creationId xmlns:a16="http://schemas.microsoft.com/office/drawing/2014/main" id="{94082404-D5E3-04E9-A92A-309EF477D3AA}"/>
+              </a:ext>
+            </a:extLst>
+          </p:cNvPr>
+          <p:cNvSpPr>
+            <a:spLocks noGrp="1"/>
+          </p:cNvSpPr>
+          <p:nvPr>
+            <p:ph idx="1"/>
+          </p:nvPr>
+        </p:nvSpPr>
+        <p:spPr>
+          <a:xfrm>
+            <a:off x="7105973" y="1853754"/>
+            <a:ext cx="5086027" cy="4250351"/>
+          </a:xfrm>
+        </p:spPr>
+        <p:txBody>
+          <a:bodyPr>
+            <a:normAutofit lnSpcReduction="10000"/>
+          </a:bodyPr>
+          <a:lstStyle/>
+          <a:p>
+            <a:r>
+              <a:rPr lang="en-US" dirty="0"/>
+              <a:t>The models apply their corrections in series. </a:t>
+            </a:r>
+          </a:p>
+          <a:p>
+            <a:pPr lvl="1"/>
+            <a:r>
+              <a:rPr lang="en-US" dirty="0"/>
+              <a:t>Start with mean, then adjust with each model. </a:t>
+            </a:r>
+          </a:p>
+          <a:p>
+            <a:r>
+              <a:rPr lang="en-US" dirty="0"/>
+              <a:t>Because models are based on residuals, they only act where there is a miss. </a:t>
+            </a:r>
+          </a:p>
+          <a:p>
+            <a:pPr lvl="1"/>
+            <a:r>
+              <a:rPr lang="en-US" dirty="0"/>
+              <a:t>Limits overfitting as good fits are unchanged.</a:t>
+            </a:r>
+          </a:p>
+          <a:p>
+            <a:pPr lvl="1"/>
+            <a:r>
+              <a:rPr lang="en-US" dirty="0"/>
+              <a:t>Allows good fits, as the model can adapt to the training data well, like any tree. </a:t>
+            </a:r>
+          </a:p>
+          <a:p>
+            <a:r>
+              <a:rPr lang="en-US" dirty="0"/>
+              <a:t>Model’s complexity comes from multiple trees instead of one large one. </a:t>
+            </a:r>
+          </a:p>
+          <a:p>
+            <a:pPr lvl="1"/>
+            <a:r>
+              <a:rPr lang="en-US" dirty="0"/>
+              <a:t>Easy parts are ‘solved’ by a simple tree. </a:t>
+            </a:r>
+          </a:p>
+          <a:p>
+            <a:pPr lvl="1"/>
+            <a:r>
+              <a:rPr lang="en-US" dirty="0"/>
+              <a:t>Each model corrects prior misses. </a:t>
+            </a:r>
+          </a:p>
+        </p:txBody>
+      </p:sp>
+      <p:grpSp>
+        <p:nvGrpSpPr>
+          <p:cNvPr id="4" name="Group 3">
+            <a:extLst>
+              <a:ext uri="{FF2B5EF4-FFF2-40B4-BE49-F238E27FC236}">
+                <a16:creationId xmlns:a16="http://schemas.microsoft.com/office/drawing/2014/main" id="{A2E9B92D-D6B0-6EEC-E8F1-D8E58DF63483}"/>
+              </a:ext>
+            </a:extLst>
+          </p:cNvPr>
+          <p:cNvGrpSpPr/>
+          <p:nvPr/>
+        </p:nvGrpSpPr>
+        <p:grpSpPr>
+          <a:xfrm>
+            <a:off x="0" y="1934645"/>
+            <a:ext cx="7105973" cy="4250351"/>
+            <a:chOff x="0" y="0"/>
+            <a:chExt cx="12192000" cy="6858000"/>
+          </a:xfrm>
+        </p:grpSpPr>
+        <p:pic>
+          <p:nvPicPr>
+            <p:cNvPr id="5" name="Picture 2" descr="Gradient Boosting Machine | Gradient Boosting Machine for Data Science">
+              <a:extLst>
+                <a:ext uri="{FF2B5EF4-FFF2-40B4-BE49-F238E27FC236}">
+                  <a16:creationId xmlns:a16="http://schemas.microsoft.com/office/drawing/2014/main" id="{36FE8B24-65A2-CA25-C082-C9A0F6069FD8}"/>
+                </a:ext>
+              </a:extLst>
+            </p:cNvPr>
+            <p:cNvPicPr>
+              <a:picLocks noChangeAspect="1" noChangeArrowheads="1"/>
+            </p:cNvPicPr>
+            <p:nvPr/>
+          </p:nvPicPr>
+          <p:blipFill>
+            <a:blip r:embed="rId2">
+              <a:extLst>
+                <a:ext uri="{28A0092B-C50C-407E-A947-70E740481C1C}">
+                  <a14:useLocalDpi xmlns:a14="http://schemas.microsoft.com/office/drawing/2010/main" val="0"/>
+                </a:ext>
+              </a:extLst>
+            </a:blip>
+            <a:srcRect/>
+            <a:stretch>
+              <a:fillRect/>
+            </a:stretch>
+          </p:blipFill>
+          <p:spPr bwMode="auto">
+            <a:xfrm>
+              <a:off x="0" y="0"/>
+              <a:ext cx="12192000" cy="6858000"/>
+            </a:xfrm>
+            <a:prstGeom prst="rect">
+              <a:avLst/>
+            </a:prstGeom>
+            <a:noFill/>
+            <a:extLst>
+              <a:ext uri="{909E8E84-426E-40DD-AFC4-6F175D3DCCD1}">
+                <a14:hiddenFill xmlns:a14="http://schemas.microsoft.com/office/drawing/2010/main">
+                  <a:solidFill>
+                    <a:srgbClr val="FFFFFF"/>
+                  </a:solidFill>
+                </a14:hiddenFill>
+              </a:ext>
+            </a:extLst>
+          </p:spPr>
+        </p:pic>
+        <p:sp>
+          <p:nvSpPr>
+            <p:cNvPr id="6" name="Rectangle 5">
+              <a:extLst>
+                <a:ext uri="{FF2B5EF4-FFF2-40B4-BE49-F238E27FC236}">
+                  <a16:creationId xmlns:a16="http://schemas.microsoft.com/office/drawing/2014/main" id="{FFB67322-F8B0-E5B1-503F-33E9978F6C00}"/>
+                </a:ext>
+              </a:extLst>
+            </p:cNvPr>
+            <p:cNvSpPr/>
+            <p:nvPr/>
+          </p:nvSpPr>
+          <p:spPr>
+            <a:xfrm>
+              <a:off x="4175688" y="2658273"/>
+              <a:ext cx="1310711" cy="575581"/>
+            </a:xfrm>
+            <a:prstGeom prst="rect">
+              <a:avLst/>
+            </a:prstGeom>
+            <a:solidFill>
+              <a:schemeClr val="bg1"/>
+            </a:solidFill>
+            <a:ln>
+              <a:solidFill>
+                <a:schemeClr val="bg1"/>
+              </a:solidFill>
+            </a:ln>
+          </p:spPr>
+          <p:style>
+            <a:lnRef idx="2">
+              <a:schemeClr val="accent1">
+                <a:shade val="50000"/>
+              </a:schemeClr>
+            </a:lnRef>
+            <a:fillRef idx="1">
+              <a:schemeClr val="accent1"/>
+            </a:fillRef>
+            <a:effectRef idx="0">
+              <a:schemeClr val="accent1"/>
+            </a:effectRef>
+            <a:fontRef idx="minor">
+              <a:schemeClr val="lt1"/>
+            </a:fontRef>
+          </p:style>
+          <p:txBody>
+            <a:bodyPr rtlCol="0" anchor="ctr"/>
+            <a:lstStyle/>
+            <a:p>
+              <a:pPr algn="ctr"/>
+              <a:endParaRPr lang="en-US"/>
+            </a:p>
+          </p:txBody>
+        </p:sp>
+        <p:sp>
+          <p:nvSpPr>
+            <p:cNvPr id="7" name="Rectangle 6">
+              <a:extLst>
+                <a:ext uri="{FF2B5EF4-FFF2-40B4-BE49-F238E27FC236}">
+                  <a16:creationId xmlns:a16="http://schemas.microsoft.com/office/drawing/2014/main" id="{DAC6411C-EA5F-7CE9-748D-8B9355D7917C}"/>
+                </a:ext>
+              </a:extLst>
+            </p:cNvPr>
+            <p:cNvSpPr/>
+            <p:nvPr/>
+          </p:nvSpPr>
+          <p:spPr>
+            <a:xfrm>
+              <a:off x="6096000" y="3345932"/>
+              <a:ext cx="1310711" cy="575581"/>
+            </a:xfrm>
+            <a:prstGeom prst="rect">
+              <a:avLst/>
+            </a:prstGeom>
+            <a:solidFill>
+              <a:schemeClr val="bg1"/>
+            </a:solidFill>
+            <a:ln>
+              <a:solidFill>
+                <a:schemeClr val="bg1"/>
+              </a:solidFill>
+            </a:ln>
+          </p:spPr>
+          <p:style>
+            <a:lnRef idx="2">
+              <a:schemeClr val="accent1">
+                <a:shade val="50000"/>
+              </a:schemeClr>
+            </a:lnRef>
+            <a:fillRef idx="1">
+              <a:schemeClr val="accent1"/>
+            </a:fillRef>
+            <a:effectRef idx="0">
+              <a:schemeClr val="accent1"/>
+            </a:effectRef>
+            <a:fontRef idx="minor">
+              <a:schemeClr val="lt1"/>
+            </a:fontRef>
+          </p:style>
+          <p:txBody>
+            <a:bodyPr rtlCol="0" anchor="ctr"/>
+            <a:lstStyle/>
+            <a:p>
+              <a:pPr algn="ctr"/>
+              <a:endParaRPr lang="en-US"/>
+            </a:p>
+          </p:txBody>
+        </p:sp>
+        <p:sp>
+          <p:nvSpPr>
+            <p:cNvPr id="8" name="Rectangle 7">
+              <a:extLst>
+                <a:ext uri="{FF2B5EF4-FFF2-40B4-BE49-F238E27FC236}">
+                  <a16:creationId xmlns:a16="http://schemas.microsoft.com/office/drawing/2014/main" id="{74F2524E-95EC-1D0B-07E3-D76DE9FF7A25}"/>
+                </a:ext>
+              </a:extLst>
+            </p:cNvPr>
+            <p:cNvSpPr/>
+            <p:nvPr/>
+          </p:nvSpPr>
+          <p:spPr>
+            <a:xfrm>
+              <a:off x="8420586" y="4182273"/>
+              <a:ext cx="1310711" cy="575581"/>
+            </a:xfrm>
+            <a:prstGeom prst="rect">
+              <a:avLst/>
+            </a:prstGeom>
+            <a:solidFill>
+              <a:schemeClr val="bg1"/>
+            </a:solidFill>
+            <a:ln>
+              <a:solidFill>
+                <a:schemeClr val="bg1"/>
+              </a:solidFill>
+            </a:ln>
+          </p:spPr>
+          <p:style>
+            <a:lnRef idx="2">
+              <a:schemeClr val="accent1">
+                <a:shade val="50000"/>
+              </a:schemeClr>
+            </a:lnRef>
+            <a:fillRef idx="1">
+              <a:schemeClr val="accent1"/>
+            </a:fillRef>
+            <a:effectRef idx="0">
+              <a:schemeClr val="accent1"/>
+            </a:effectRef>
+            <a:fontRef idx="minor">
+              <a:schemeClr val="lt1"/>
+            </a:fontRef>
+          </p:style>
+          <p:txBody>
+            <a:bodyPr rtlCol="0" anchor="ctr"/>
+            <a:lstStyle/>
+            <a:p>
+              <a:pPr algn="ctr"/>
+              <a:endParaRPr lang="en-US"/>
+            </a:p>
+          </p:txBody>
+        </p:sp>
+        <p:sp>
+          <p:nvSpPr>
+            <p:cNvPr id="9" name="Rectangle 8">
+              <a:extLst>
+                <a:ext uri="{FF2B5EF4-FFF2-40B4-BE49-F238E27FC236}">
+                  <a16:creationId xmlns:a16="http://schemas.microsoft.com/office/drawing/2014/main" id="{326B6DD5-83B0-DC40-B6A8-AB837D03E8B4}"/>
+                </a:ext>
+              </a:extLst>
+            </p:cNvPr>
+            <p:cNvSpPr/>
+            <p:nvPr/>
+          </p:nvSpPr>
+          <p:spPr>
+            <a:xfrm>
+              <a:off x="10740039" y="5663918"/>
+              <a:ext cx="1310711" cy="575581"/>
+            </a:xfrm>
+            <a:prstGeom prst="rect">
+              <a:avLst/>
+            </a:prstGeom>
+            <a:solidFill>
+              <a:schemeClr val="bg1"/>
+            </a:solidFill>
+            <a:ln>
+              <a:solidFill>
+                <a:schemeClr val="bg1"/>
+              </a:solidFill>
+            </a:ln>
+          </p:spPr>
+          <p:style>
+            <a:lnRef idx="2">
+              <a:schemeClr val="accent1">
+                <a:shade val="50000"/>
+              </a:schemeClr>
+            </a:lnRef>
+            <a:fillRef idx="1">
+              <a:schemeClr val="accent1"/>
+            </a:fillRef>
+            <a:effectRef idx="0">
+              <a:schemeClr val="accent1"/>
+            </a:effectRef>
+            <a:fontRef idx="minor">
+              <a:schemeClr val="lt1"/>
+            </a:fontRef>
+          </p:style>
+          <p:txBody>
+            <a:bodyPr rtlCol="0" anchor="ctr"/>
+            <a:lstStyle/>
+            <a:p>
+              <a:pPr algn="ctr"/>
+              <a:endParaRPr lang="en-US"/>
+            </a:p>
+          </p:txBody>
+        </p:sp>
+      </p:grpSp>
+    </p:spTree>
+    <p:extLst>
+      <p:ext uri="{BB962C8B-B14F-4D97-AF65-F5344CB8AC3E}">
+        <p14:creationId xmlns:p14="http://schemas.microsoft.com/office/powerpoint/2010/main" val="3521340704"/>
+      </p:ext>
+    </p:extLst>
+  </p:cSld>
+  <p:clrMapOvr>
+    <a:masterClrMapping/>
+  </p:clrMapOvr>
+</p:sld>
+</file>
+
 <file path=ppt/slides/slide4.xml><?xml version="1.0" encoding="utf-8"?>
 <p:sld xmlns:a="http://schemas.openxmlformats.org/drawingml/2006/main" xmlns:r="http://schemas.openxmlformats.org/officeDocument/2006/relationships" xmlns:p="http://schemas.openxmlformats.org/presentationml/2006/main">
   <p:cSld>
